--- a/Praesentation_moderneoptik/Laserverstaerkung.pptx
+++ b/Praesentation_moderneoptik/Laserverstaerkung.pptx
@@ -19,10 +19,10 @@
     <p:sldId id="349" r:id="rId7"/>
     <p:sldId id="348" r:id="rId8"/>
     <p:sldId id="350" r:id="rId9"/>
-    <p:sldId id="339" r:id="rId10"/>
-    <p:sldId id="340" r:id="rId11"/>
-    <p:sldId id="341" r:id="rId12"/>
-    <p:sldId id="342" r:id="rId13"/>
+    <p:sldId id="351" r:id="rId10"/>
+    <p:sldId id="339" r:id="rId11"/>
+    <p:sldId id="353" r:id="rId12"/>
+    <p:sldId id="352" r:id="rId13"/>
     <p:sldId id="343" r:id="rId14"/>
   </p:sldIdLst>
   <p:sldSz cx="9144000" cy="6858000" type="screen4x3"/>
@@ -244,7 +244,7 @@
           <a:p>
             <a:fld id="{C5FA43C0-EE8D-4BF5-9BB6-92F47E17EACA}" type="datetimeFigureOut">
               <a:rPr lang="de-DE" smtClean="0"/>
-              <a:t>31.05.2022</a:t>
+              <a:t>10.06.2022</a:t>
             </a:fld>
             <a:endParaRPr lang="de-DE"/>
           </a:p>
@@ -414,7 +414,7 @@
           <a:p>
             <a:fld id="{82836A0A-6672-46C7-9ABE-B1C2C091CBBF}" type="datetimeFigureOut">
               <a:rPr lang="de-DE" smtClean="0"/>
-              <a:t>31.05.2022</a:t>
+              <a:t>10.06.2022</a:t>
             </a:fld>
             <a:endParaRPr lang="de-DE"/>
           </a:p>
@@ -1084,6 +1084,150 @@
           <a:lstStyle/>
           <a:p>
             <a:r>
+              <a:rPr lang="de-DE" baseline="0" dirty="0" smtClean="0"/>
+              <a:t>Dadurch </a:t>
+            </a:r>
+            <a:r>
+              <a:rPr lang="de-DE" baseline="0" dirty="0" smtClean="0"/>
+              <a:t>kommt es zu einem energiereichen Laserimpuls im 1-20 </a:t>
+            </a:r>
+            <a:r>
+              <a:rPr lang="de-DE" baseline="0" dirty="0" err="1" smtClean="0"/>
+              <a:t>ns</a:t>
+            </a:r>
+            <a:r>
+              <a:rPr lang="de-DE" baseline="0" dirty="0" smtClean="0"/>
+              <a:t> Bereich mit einer Leistung von 10^9 W. </a:t>
+            </a:r>
+          </a:p>
+          <a:p>
+            <a:endParaRPr lang="de-DE" baseline="0" dirty="0" smtClean="0"/>
+          </a:p>
+          <a:p>
+            <a:r>
+              <a:rPr lang="de-DE" baseline="0" dirty="0" smtClean="0"/>
+              <a:t>Mögliche Umsetzung durch rotierenden Spiegel oder </a:t>
+            </a:r>
+            <a:r>
+              <a:rPr lang="de-DE" baseline="0" dirty="0" err="1" smtClean="0"/>
+              <a:t>Pockels</a:t>
+            </a:r>
+            <a:r>
+              <a:rPr lang="de-DE" baseline="0" dirty="0" smtClean="0"/>
+              <a:t> Zellen die mit Spannungsimpulsen gesteuert werden können.</a:t>
+            </a:r>
+          </a:p>
+          <a:p>
+            <a:endParaRPr lang="de-DE" baseline="0" dirty="0" smtClean="0"/>
+          </a:p>
+          <a:p>
+            <a:r>
+              <a:rPr lang="de-DE" baseline="0" dirty="0" smtClean="0"/>
+              <a:t>Links Gordon Gould im </a:t>
+            </a:r>
+            <a:r>
+              <a:rPr lang="de-DE" baseline="0" dirty="0" err="1" smtClean="0"/>
+              <a:t>grunde</a:t>
+            </a:r>
+            <a:r>
+              <a:rPr lang="de-DE" baseline="0" dirty="0" smtClean="0"/>
+              <a:t> </a:t>
+            </a:r>
+            <a:r>
+              <a:rPr lang="de-DE" baseline="0" dirty="0" err="1" smtClean="0"/>
+              <a:t>erfinder</a:t>
+            </a:r>
+            <a:r>
+              <a:rPr lang="de-DE" baseline="0" dirty="0" smtClean="0"/>
+              <a:t> des Laser auch wenn Patent nicht bekommen und Erfinder Q-switches</a:t>
+            </a:r>
+          </a:p>
+          <a:p>
+            <a:endParaRPr lang="de-DE" baseline="0" dirty="0" smtClean="0"/>
+          </a:p>
+          <a:p>
+            <a:r>
+              <a:rPr lang="de-DE" baseline="0" dirty="0" err="1" smtClean="0"/>
+              <a:t>Right</a:t>
+            </a:r>
+            <a:r>
+              <a:rPr lang="de-DE" baseline="0" dirty="0" smtClean="0"/>
+              <a:t> </a:t>
+            </a:r>
+            <a:r>
+              <a:rPr lang="de-DE" baseline="0" dirty="0" err="1" smtClean="0"/>
+              <a:t>side</a:t>
+            </a:r>
+            <a:r>
+              <a:rPr lang="de-DE" baseline="0" dirty="0" smtClean="0"/>
+              <a:t> Nicolaas Bloembergen – Nobelpreis für </a:t>
+            </a:r>
+            <a:r>
+              <a:rPr lang="en-US" dirty="0" smtClean="0"/>
+              <a:t>contribution to the development of laser spectroscopy </a:t>
+            </a:r>
+            <a:r>
+              <a:rPr lang="en-US" dirty="0" err="1" smtClean="0"/>
+              <a:t>wovon</a:t>
+            </a:r>
+            <a:r>
+              <a:rPr lang="en-US" dirty="0" smtClean="0"/>
+              <a:t> die </a:t>
+            </a:r>
+            <a:r>
+              <a:rPr lang="en-US" dirty="0" err="1" smtClean="0"/>
+              <a:t>erklärung</a:t>
+            </a:r>
+            <a:r>
+              <a:rPr lang="en-US" dirty="0" smtClean="0"/>
+              <a:t> die</a:t>
+            </a:r>
+            <a:r>
+              <a:rPr lang="en-US" baseline="0" dirty="0" smtClean="0"/>
+              <a:t> </a:t>
+            </a:r>
+            <a:r>
+              <a:rPr lang="en-US" baseline="0" dirty="0" err="1" smtClean="0"/>
+              <a:t>theoretisch</a:t>
+            </a:r>
+            <a:r>
+              <a:rPr lang="en-US" baseline="0" dirty="0" smtClean="0"/>
+              <a:t> </a:t>
+            </a:r>
+            <a:r>
+              <a:rPr lang="en-US" baseline="0" dirty="0" err="1" smtClean="0"/>
+              <a:t>erklärung</a:t>
+            </a:r>
+            <a:r>
+              <a:rPr lang="en-US" baseline="0" dirty="0" smtClean="0"/>
+              <a:t> des q-switching </a:t>
+            </a:r>
+            <a:r>
+              <a:rPr lang="en-US" baseline="0" dirty="0" err="1" smtClean="0"/>
+              <a:t>ein</a:t>
+            </a:r>
+            <a:r>
+              <a:rPr lang="en-US" baseline="0" dirty="0" smtClean="0"/>
+              <a:t> </a:t>
+            </a:r>
+            <a:r>
+              <a:rPr lang="en-US" baseline="0" dirty="0" err="1" smtClean="0"/>
+              <a:t>teil</a:t>
+            </a:r>
+            <a:r>
+              <a:rPr lang="en-US" baseline="0" dirty="0" smtClean="0"/>
+              <a:t> war.</a:t>
+            </a:r>
+            <a:endParaRPr lang="de-DE" baseline="0" dirty="0" smtClean="0"/>
+          </a:p>
+          <a:p>
+            <a:endParaRPr lang="de-DE" dirty="0" smtClean="0"/>
+          </a:p>
+          <a:p>
+            <a:endParaRPr lang="de-DE" dirty="0" smtClean="0"/>
+          </a:p>
+          <a:p>
+            <a:r>
               <a:rPr lang="de-DE" dirty="0" smtClean="0"/>
               <a:t>Das Pumpen</a:t>
             </a:r>
@@ -1144,37 +1288,6 @@
             <a:r>
               <a:rPr lang="de-DE" baseline="0" dirty="0" smtClean="0"/>
               <a:t> wird aufgelöst.</a:t>
-            </a:r>
-          </a:p>
-          <a:p>
-            <a:r>
-              <a:rPr lang="de-DE" baseline="0" dirty="0" smtClean="0"/>
-              <a:t>Dadurch kommt es zu einem energiereichen Laserimpuls im 1-20 </a:t>
-            </a:r>
-            <a:r>
-              <a:rPr lang="de-DE" baseline="0" dirty="0" err="1" smtClean="0"/>
-              <a:t>ns</a:t>
-            </a:r>
-            <a:r>
-              <a:rPr lang="de-DE" baseline="0" dirty="0" smtClean="0"/>
-              <a:t> Bereich mit einer Leistung von 10^9 W. </a:t>
-            </a:r>
-          </a:p>
-          <a:p>
-            <a:endParaRPr lang="de-DE" baseline="0" dirty="0" smtClean="0"/>
-          </a:p>
-          <a:p>
-            <a:r>
-              <a:rPr lang="de-DE" baseline="0" dirty="0" smtClean="0"/>
-              <a:t>Mögliche Umsetzung durch rotierenden Spiegel oder </a:t>
-            </a:r>
-            <a:r>
-              <a:rPr lang="de-DE" baseline="0" dirty="0" err="1" smtClean="0"/>
-              <a:t>Pockels</a:t>
-            </a:r>
-            <a:r>
-              <a:rPr lang="de-DE" baseline="0" dirty="0" smtClean="0"/>
-              <a:t> Zellen die mit Spannungsimpulsen gesteuert werden können.</a:t>
             </a:r>
           </a:p>
           <a:p>
@@ -1285,7 +1398,458 @@
           <a:bodyPr/>
           <a:lstStyle/>
           <a:p>
-            <a:endParaRPr lang="de-DE" dirty="0"/>
+            <a:r>
+              <a:rPr lang="de-DE" dirty="0" err="1" smtClean="0"/>
+              <a:t>Piko</a:t>
+            </a:r>
+            <a:r>
+              <a:rPr lang="de-DE" dirty="0" smtClean="0"/>
+              <a:t> (10^-12), </a:t>
+            </a:r>
+            <a:r>
+              <a:rPr lang="de-DE" dirty="0" err="1" smtClean="0"/>
+              <a:t>Giga</a:t>
+            </a:r>
+            <a:r>
+              <a:rPr lang="de-DE" dirty="0" smtClean="0"/>
+              <a:t> (10^9)</a:t>
+            </a:r>
+          </a:p>
+          <a:p>
+            <a:r>
+              <a:rPr lang="de-DE" dirty="0" smtClean="0"/>
+              <a:t>Mode </a:t>
+            </a:r>
+            <a:r>
+              <a:rPr lang="de-DE" dirty="0" err="1" smtClean="0"/>
+              <a:t>Locking</a:t>
+            </a:r>
+            <a:r>
+              <a:rPr lang="de-DE" dirty="0" smtClean="0"/>
+              <a:t>:</a:t>
+            </a:r>
+          </a:p>
+          <a:p>
+            <a:r>
+              <a:rPr lang="de-DE" dirty="0" smtClean="0"/>
+              <a:t>Normale</a:t>
+            </a:r>
+            <a:r>
+              <a:rPr lang="de-DE" baseline="0" dirty="0" smtClean="0"/>
+              <a:t> </a:t>
+            </a:r>
+            <a:r>
+              <a:rPr lang="de-DE" baseline="0" dirty="0" err="1" smtClean="0"/>
+              <a:t>laser</a:t>
+            </a:r>
+            <a:r>
+              <a:rPr lang="de-DE" baseline="0" dirty="0" smtClean="0"/>
+              <a:t> haben Bandbreit – nicht so schön.</a:t>
+            </a:r>
+          </a:p>
+          <a:p>
+            <a:r>
+              <a:rPr lang="de-DE" baseline="0" dirty="0" smtClean="0"/>
+              <a:t>Schwingen in mehreren unabhängigen Moden.</a:t>
+            </a:r>
+          </a:p>
+          <a:p>
+            <a:r>
+              <a:rPr lang="de-DE" baseline="0" dirty="0" smtClean="0"/>
+              <a:t>Jetzt werden Moden </a:t>
+            </a:r>
+            <a:r>
+              <a:rPr lang="de-DE" baseline="0" dirty="0" err="1" smtClean="0"/>
+              <a:t>phasen</a:t>
+            </a:r>
+            <a:r>
+              <a:rPr lang="de-DE" baseline="0" dirty="0" smtClean="0"/>
+              <a:t> gekoppelt so dass alle an einen bestimmten Punkt in die selbe Richtung schwingen -&gt; konstruktive </a:t>
+            </a:r>
+            <a:r>
+              <a:rPr lang="de-DE" baseline="0" dirty="0" err="1" smtClean="0"/>
+              <a:t>interferenz</a:t>
+            </a:r>
+            <a:r>
+              <a:rPr lang="de-DE" baseline="0" dirty="0" smtClean="0"/>
+              <a:t>.</a:t>
+            </a:r>
+          </a:p>
+          <a:p>
+            <a:endParaRPr lang="de-DE" dirty="0" smtClean="0"/>
+          </a:p>
+          <a:p>
+            <a:r>
+              <a:rPr lang="de-DE" dirty="0" smtClean="0"/>
+              <a:t>Zeit zwische</a:t>
+            </a:r>
+            <a:r>
+              <a:rPr lang="de-DE" baseline="0" dirty="0" smtClean="0"/>
+              <a:t>n Pulsen t= 2L/c und Mode </a:t>
+            </a:r>
+            <a:r>
+              <a:rPr lang="de-DE" baseline="0" dirty="0" err="1" smtClean="0"/>
+              <a:t>spacing</a:t>
+            </a:r>
+            <a:r>
+              <a:rPr lang="de-DE" baseline="0" dirty="0" smtClean="0"/>
+              <a:t>     </a:t>
+            </a:r>
+            <a:r>
+              <a:rPr lang="de-DE" baseline="0" dirty="0" err="1" smtClean="0"/>
+              <a:t>delta</a:t>
+            </a:r>
+            <a:r>
+              <a:rPr lang="de-DE" baseline="0" dirty="0" smtClean="0"/>
+              <a:t> f=1/t</a:t>
+            </a:r>
+            <a:endParaRPr lang="de-DE" dirty="0" smtClean="0"/>
+          </a:p>
+          <a:p>
+            <a:endParaRPr lang="de-DE" dirty="0" smtClean="0"/>
+          </a:p>
+          <a:p>
+            <a:r>
+              <a:rPr lang="de-DE" dirty="0" smtClean="0"/>
+              <a:t>Aktives </a:t>
+            </a:r>
+            <a:r>
+              <a:rPr lang="de-DE" dirty="0" err="1" smtClean="0"/>
+              <a:t>Modelocking</a:t>
+            </a:r>
+            <a:r>
+              <a:rPr lang="de-DE" dirty="0" smtClean="0"/>
+              <a:t>:</a:t>
+            </a:r>
+          </a:p>
+          <a:p>
+            <a:r>
+              <a:rPr lang="de-DE" dirty="0" smtClean="0"/>
+              <a:t>Häufigste Umsetzung mit </a:t>
+            </a:r>
+            <a:r>
+              <a:rPr lang="de-DE" dirty="0" err="1" smtClean="0"/>
+              <a:t>Pockels</a:t>
+            </a:r>
+            <a:r>
+              <a:rPr lang="de-DE" dirty="0" smtClean="0"/>
+              <a:t> Zelle (Doppelbrechender</a:t>
+            </a:r>
+            <a:r>
+              <a:rPr lang="de-DE" baseline="0" dirty="0" smtClean="0"/>
+              <a:t> Kristall, der wie Polarisationsfilter wirkt je nachdem welche Spannung angelegt wird)</a:t>
+            </a:r>
+            <a:endParaRPr lang="de-DE" dirty="0" smtClean="0"/>
+          </a:p>
+          <a:p>
+            <a:pPr marL="171450" indent="-171450">
+              <a:buFontTx/>
+              <a:buChar char="-"/>
+            </a:pPr>
+            <a:r>
+              <a:rPr lang="de-DE" baseline="0" dirty="0" smtClean="0"/>
+              <a:t>In zeit </a:t>
+            </a:r>
+            <a:r>
+              <a:rPr lang="de-DE" baseline="0" dirty="0" err="1" smtClean="0"/>
+              <a:t>domäne</a:t>
+            </a:r>
+            <a:r>
+              <a:rPr lang="de-DE" baseline="0" dirty="0" smtClean="0"/>
+              <a:t>: </a:t>
+            </a:r>
+          </a:p>
+          <a:p>
+            <a:pPr marL="171450" indent="-171450">
+              <a:buFontTx/>
+              <a:buChar char="-"/>
+            </a:pPr>
+            <a:r>
+              <a:rPr lang="de-DE" baseline="0" dirty="0" err="1" smtClean="0"/>
+              <a:t>Modultator</a:t>
+            </a:r>
+            <a:r>
+              <a:rPr lang="de-DE" baseline="0" dirty="0" smtClean="0"/>
+              <a:t> (</a:t>
+            </a:r>
+            <a:r>
+              <a:rPr lang="de-DE" baseline="0" dirty="0" err="1" smtClean="0"/>
+              <a:t>Pockelszelle</a:t>
+            </a:r>
+            <a:r>
+              <a:rPr lang="de-DE" baseline="0" dirty="0" smtClean="0"/>
+              <a:t>) wird genutzt um zweitabhängige Transmission zu ermöglichen.</a:t>
+            </a:r>
+          </a:p>
+          <a:p>
+            <a:pPr marL="171450" indent="-171450">
+              <a:buFontTx/>
+              <a:buChar char="-"/>
+            </a:pPr>
+            <a:r>
+              <a:rPr lang="de-DE" baseline="0" dirty="0" smtClean="0"/>
+              <a:t>Modulationsrate f ist gleich der Zeit zwischen Pulsen t</a:t>
+            </a:r>
+          </a:p>
+          <a:p>
+            <a:pPr marL="171450" indent="-171450">
+              <a:buFontTx/>
+              <a:buChar char="-"/>
+            </a:pPr>
+            <a:r>
+              <a:rPr lang="de-DE" baseline="0" dirty="0" smtClean="0"/>
+              <a:t>Transmission immer dann wenn Puls am Ausgang ankommt. -&gt; Nicht ganzen Impuls raus lassen sonst geht </a:t>
+            </a:r>
+            <a:r>
+              <a:rPr lang="de-DE" baseline="0" dirty="0" err="1" smtClean="0"/>
+              <a:t>Modelocking</a:t>
+            </a:r>
+            <a:r>
+              <a:rPr lang="de-DE" baseline="0" dirty="0" smtClean="0"/>
+              <a:t> verloren.</a:t>
+            </a:r>
+          </a:p>
+          <a:p>
+            <a:pPr marL="171450" indent="-171450">
+              <a:buFontTx/>
+              <a:buChar char="-"/>
+            </a:pPr>
+            <a:endParaRPr lang="de-DE" baseline="0" dirty="0" smtClean="0"/>
+          </a:p>
+          <a:p>
+            <a:pPr marL="171450" indent="-171450">
+              <a:buFontTx/>
+              <a:buChar char="-"/>
+            </a:pPr>
+            <a:r>
+              <a:rPr lang="de-DE" baseline="0" dirty="0" smtClean="0"/>
+              <a:t>In </a:t>
+            </a:r>
+            <a:r>
+              <a:rPr lang="de-DE" baseline="0" dirty="0" err="1" smtClean="0"/>
+              <a:t>Phasendomände</a:t>
+            </a:r>
+            <a:r>
+              <a:rPr lang="de-DE" baseline="0" dirty="0" smtClean="0"/>
+              <a:t>:</a:t>
+            </a:r>
+          </a:p>
+          <a:p>
+            <a:pPr marL="171450" indent="-171450">
+              <a:buFontTx/>
+              <a:buChar char="-"/>
+            </a:pPr>
+            <a:r>
+              <a:rPr lang="de-DE" baseline="0" dirty="0" err="1" smtClean="0"/>
+              <a:t>Sinusförniges</a:t>
+            </a:r>
+            <a:r>
+              <a:rPr lang="de-DE" baseline="0" dirty="0" smtClean="0"/>
+              <a:t> E-Feld an Zelle anlegen</a:t>
+            </a:r>
+          </a:p>
+          <a:p>
+            <a:pPr marL="171450" indent="-171450">
+              <a:buFontTx/>
+              <a:buChar char="-"/>
+            </a:pPr>
+            <a:r>
+              <a:rPr lang="de-DE" baseline="0" dirty="0" smtClean="0"/>
+              <a:t>Laser wird </a:t>
+            </a:r>
+            <a:r>
+              <a:rPr lang="de-DE" baseline="0" dirty="0" err="1" smtClean="0"/>
+              <a:t>entsprechung</a:t>
+            </a:r>
+            <a:r>
+              <a:rPr lang="de-DE" baseline="0" dirty="0" smtClean="0"/>
+              <a:t> der Schwankung des E-Feld Phasenmoduliert</a:t>
+            </a:r>
+          </a:p>
+          <a:p>
+            <a:pPr marL="171450" indent="-171450">
+              <a:buFontTx/>
+              <a:buChar char="-"/>
+            </a:pPr>
+            <a:r>
+              <a:rPr lang="de-DE" baseline="0" dirty="0" smtClean="0"/>
+              <a:t>Jede Mode hat gewissen Bandweite</a:t>
+            </a:r>
+          </a:p>
+          <a:p>
+            <a:pPr marL="171450" indent="-171450">
+              <a:buFontTx/>
+              <a:buChar char="-"/>
+            </a:pPr>
+            <a:r>
+              <a:rPr lang="de-DE" baseline="0" dirty="0" smtClean="0"/>
+              <a:t>Kann beschrieben werden als Modenfrequenz plus Seitenbänder</a:t>
+            </a:r>
+          </a:p>
+          <a:p>
+            <a:pPr marL="171450" indent="-171450">
+              <a:buFontTx/>
+              <a:buChar char="-"/>
+            </a:pPr>
+            <a:r>
+              <a:rPr lang="de-DE" baseline="0" dirty="0" smtClean="0"/>
+              <a:t>Seitenbänder werden nun durch Modulation mit benachbarten Seitenbändern zusammen getrieben. </a:t>
+            </a:r>
+          </a:p>
+          <a:p>
+            <a:pPr marL="171450" indent="-171450">
+              <a:buFontTx/>
+              <a:buChar char="-"/>
+            </a:pPr>
+            <a:r>
+              <a:rPr lang="de-DE" baseline="0" dirty="0" smtClean="0"/>
+              <a:t>Dies Phase </a:t>
+            </a:r>
+            <a:r>
+              <a:rPr lang="de-DE" baseline="0" dirty="0" err="1" smtClean="0"/>
+              <a:t>locked</a:t>
+            </a:r>
+            <a:r>
+              <a:rPr lang="de-DE" baseline="0" dirty="0" smtClean="0"/>
+              <a:t> die Moden miteinander. </a:t>
+            </a:r>
+          </a:p>
+          <a:p>
+            <a:pPr marL="171450" indent="-171450">
+              <a:buFontTx/>
+              <a:buChar char="-"/>
+            </a:pPr>
+            <a:r>
+              <a:rPr lang="de-DE" baseline="0" dirty="0" smtClean="0"/>
+              <a:t>Nachdem zwei benachbarte Moden </a:t>
+            </a:r>
+            <a:r>
+              <a:rPr lang="de-DE" baseline="0" dirty="0" err="1" smtClean="0"/>
+              <a:t>gelocked</a:t>
+            </a:r>
+            <a:r>
+              <a:rPr lang="de-DE" baseline="0" dirty="0" smtClean="0"/>
+              <a:t> werden, werden danach  die weiteren benachbarten Moden verbunden.</a:t>
+            </a:r>
+          </a:p>
+          <a:p>
+            <a:pPr marL="171450" indent="-171450">
+              <a:buFontTx/>
+              <a:buChar char="-"/>
+            </a:pPr>
+            <a:endParaRPr lang="de-DE" baseline="0" dirty="0" smtClean="0"/>
+          </a:p>
+          <a:p>
+            <a:pPr marL="171450" indent="-171450">
+              <a:buFontTx/>
+              <a:buChar char="-"/>
+            </a:pPr>
+            <a:r>
+              <a:rPr lang="de-DE" baseline="0" dirty="0" smtClean="0"/>
+              <a:t>Passives </a:t>
+            </a:r>
+            <a:r>
+              <a:rPr lang="de-DE" baseline="0" dirty="0" err="1" smtClean="0"/>
+              <a:t>Modelocking</a:t>
+            </a:r>
+            <a:r>
+              <a:rPr lang="de-DE" baseline="0" dirty="0" smtClean="0"/>
+              <a:t>:</a:t>
+            </a:r>
+          </a:p>
+          <a:p>
+            <a:pPr marL="171450" indent="-171450">
+              <a:buFontTx/>
+              <a:buChar char="-"/>
+            </a:pPr>
+            <a:endParaRPr lang="de-DE" baseline="0" dirty="0" smtClean="0"/>
+          </a:p>
+          <a:p>
+            <a:pPr marL="171450" indent="-171450">
+              <a:buFontTx/>
+              <a:buChar char="-"/>
+            </a:pPr>
+            <a:r>
+              <a:rPr lang="de-DE" baseline="0" dirty="0" err="1" smtClean="0"/>
+              <a:t>Intensitäts</a:t>
+            </a:r>
+            <a:r>
+              <a:rPr lang="de-DE" baseline="0" dirty="0" smtClean="0"/>
+              <a:t> abhängige Transmission</a:t>
+            </a:r>
+          </a:p>
+          <a:p>
+            <a:pPr marL="171450" indent="-171450">
+              <a:buFontTx/>
+              <a:buChar char="-"/>
+            </a:pPr>
+            <a:r>
+              <a:rPr lang="de-DE" baseline="0" dirty="0" smtClean="0"/>
+              <a:t>Lässt Licht hoher Intensität durch</a:t>
+            </a:r>
+          </a:p>
+          <a:p>
+            <a:pPr marL="171450" indent="-171450">
+              <a:buFontTx/>
+              <a:buChar char="-"/>
+            </a:pPr>
+            <a:r>
+              <a:rPr lang="de-DE" baseline="0" dirty="0" smtClean="0"/>
+              <a:t>Dämpft schwache </a:t>
+            </a:r>
+            <a:r>
+              <a:rPr lang="de-DE" baseline="0" dirty="0" err="1" smtClean="0"/>
+              <a:t>Inensitäten</a:t>
+            </a:r>
+            <a:endParaRPr lang="de-DE" baseline="0" dirty="0" smtClean="0"/>
+          </a:p>
+          <a:p>
+            <a:pPr marL="171450" indent="-171450">
+              <a:buFontTx/>
+              <a:buChar char="-"/>
+            </a:pPr>
+            <a:r>
+              <a:rPr lang="de-DE" baseline="0" dirty="0" smtClean="0"/>
+              <a:t>Lässt zufällige Spikes von Intensität durch</a:t>
+            </a:r>
+          </a:p>
+          <a:p>
+            <a:pPr marL="171450" indent="-171450">
+              <a:buFontTx/>
+              <a:buChar char="-"/>
+            </a:pPr>
+            <a:r>
+              <a:rPr lang="de-DE" baseline="0" dirty="0" smtClean="0"/>
+              <a:t>Nach einiger Zeit schwingen alle Moden mit der Phase des Spikes, da dieser nicht gedämpft wird.</a:t>
+            </a:r>
+          </a:p>
+          <a:p>
+            <a:pPr marL="171450" indent="-171450">
+              <a:buFontTx/>
+              <a:buChar char="-"/>
+            </a:pPr>
+            <a:endParaRPr lang="de-DE" baseline="0" dirty="0" smtClean="0"/>
+          </a:p>
+          <a:p>
+            <a:pPr marL="171450" indent="-171450">
+              <a:buFontTx/>
+              <a:buChar char="-"/>
+            </a:pPr>
+            <a:endParaRPr lang="de-DE" baseline="0" dirty="0" smtClean="0"/>
+          </a:p>
+          <a:p>
+            <a:pPr marL="171450" indent="-171450">
+              <a:buFontTx/>
+              <a:buChar char="-"/>
+            </a:pPr>
+            <a:endParaRPr lang="de-DE" baseline="0" dirty="0" smtClean="0"/>
+          </a:p>
+          <a:p>
+            <a:pPr marL="171450" indent="-171450">
+              <a:buFontTx/>
+              <a:buChar char="-"/>
+            </a:pPr>
+            <a:endParaRPr lang="de-DE" baseline="0" dirty="0" smtClean="0"/>
           </a:p>
         </p:txBody>
       </p:sp>
@@ -1339,6 +1903,761 @@
     <p:extLst>
       <p:ext uri="{BB962C8B-B14F-4D97-AF65-F5344CB8AC3E}">
         <p14:creationId xmlns:p14="http://schemas.microsoft.com/office/powerpoint/2010/main" val="2069833375"/>
+      </p:ext>
+    </p:extLst>
+  </p:cSld>
+  <p:clrMapOvr>
+    <a:masterClrMapping/>
+  </p:clrMapOvr>
+</p:notes>
+</file>
+
+<file path=ppt/notesSlides/notesSlide6.xml><?xml version="1.0" encoding="utf-8"?>
+<p:notes xmlns:a="http://schemas.openxmlformats.org/drawingml/2006/main" xmlns:r="http://schemas.openxmlformats.org/officeDocument/2006/relationships" xmlns:p="http://schemas.openxmlformats.org/presentationml/2006/main">
+  <p:cSld>
+    <p:spTree>
+      <p:nvGrpSpPr>
+        <p:cNvPr id="1" name=""/>
+        <p:cNvGrpSpPr/>
+        <p:nvPr/>
+      </p:nvGrpSpPr>
+      <p:grpSpPr>
+        <a:xfrm>
+          <a:off x="0" y="0"/>
+          <a:ext cx="0" cy="0"/>
+          <a:chOff x="0" y="0"/>
+          <a:chExt cx="0" cy="0"/>
+        </a:xfrm>
+      </p:grpSpPr>
+      <p:sp>
+        <p:nvSpPr>
+          <p:cNvPr id="2" name="Folienbildplatzhalter 1"/>
+          <p:cNvSpPr>
+            <a:spLocks noGrp="1" noRot="1" noChangeAspect="1"/>
+          </p:cNvSpPr>
+          <p:nvPr>
+            <p:ph type="sldImg"/>
+          </p:nvPr>
+        </p:nvSpPr>
+        <p:spPr/>
+      </p:sp>
+      <p:sp>
+        <p:nvSpPr>
+          <p:cNvPr id="3" name="Notizenplatzhalter 2"/>
+          <p:cNvSpPr>
+            <a:spLocks noGrp="1"/>
+          </p:cNvSpPr>
+          <p:nvPr>
+            <p:ph type="body" idx="1"/>
+          </p:nvPr>
+        </p:nvSpPr>
+        <p:spPr/>
+        <p:txBody>
+          <a:bodyPr/>
+          <a:lstStyle/>
+          <a:p>
+            <a:pPr marL="171450" indent="-171450">
+              <a:buFontTx/>
+              <a:buChar char="-"/>
+            </a:pPr>
+            <a:r>
+              <a:rPr lang="de-DE" baseline="0" dirty="0" err="1" smtClean="0"/>
+              <a:t>Peta</a:t>
+            </a:r>
+            <a:r>
+              <a:rPr lang="de-DE" baseline="0" dirty="0" smtClean="0"/>
+              <a:t> (10^15) </a:t>
+            </a:r>
+          </a:p>
+          <a:p>
+            <a:pPr marL="171450" indent="-171450">
+              <a:buFontTx/>
+              <a:buChar char="-"/>
+            </a:pPr>
+            <a:r>
+              <a:rPr lang="de-DE" baseline="0" dirty="0" err="1" smtClean="0"/>
+              <a:t>Femto</a:t>
+            </a:r>
+            <a:r>
+              <a:rPr lang="de-DE" baseline="0" dirty="0" smtClean="0"/>
+              <a:t> (10^-15)</a:t>
+            </a:r>
+          </a:p>
+          <a:p>
+            <a:pPr marL="0" indent="0">
+              <a:buFontTx/>
+              <a:buNone/>
+            </a:pPr>
+            <a:endParaRPr lang="de-DE" baseline="0" dirty="0" smtClean="0"/>
+          </a:p>
+          <a:p>
+            <a:pPr marL="171450" indent="-171450">
+              <a:buFontTx/>
+              <a:buChar char="-"/>
+            </a:pPr>
+            <a:r>
+              <a:rPr lang="de-DE" baseline="0" dirty="0" smtClean="0"/>
+              <a:t>CPA</a:t>
+            </a:r>
+          </a:p>
+          <a:p>
+            <a:pPr marL="171450" indent="-171450">
+              <a:buFontTx/>
+              <a:buChar char="-"/>
+            </a:pPr>
+            <a:r>
+              <a:rPr lang="de-DE" baseline="0" dirty="0" smtClean="0"/>
+              <a:t>Entwickelt durch Gerard </a:t>
+            </a:r>
+            <a:r>
+              <a:rPr lang="de-DE" baseline="0" dirty="0" err="1" smtClean="0"/>
+              <a:t>Mourou</a:t>
+            </a:r>
+            <a:r>
+              <a:rPr lang="de-DE" baseline="0" dirty="0" smtClean="0"/>
+              <a:t> (links) und Donna Strickland (rechts) Nobelpreis 2018</a:t>
+            </a:r>
+          </a:p>
+          <a:p>
+            <a:pPr marL="171450" indent="-171450">
+              <a:buFontTx/>
+              <a:buChar char="-"/>
+            </a:pPr>
+            <a:endParaRPr lang="de-DE" baseline="0" dirty="0" smtClean="0"/>
+          </a:p>
+          <a:p>
+            <a:pPr marL="171450" indent="-171450">
+              <a:buFontTx/>
+              <a:buChar char="-"/>
+            </a:pPr>
+            <a:r>
+              <a:rPr lang="de-DE" baseline="0" dirty="0" err="1" smtClean="0"/>
+              <a:t>Femtosekunden</a:t>
+            </a:r>
+            <a:r>
+              <a:rPr lang="de-DE" baseline="0" dirty="0" smtClean="0"/>
+              <a:t> Laserpuls wird zeitlich gestreckt (Faktor 10^4)</a:t>
+            </a:r>
+          </a:p>
+          <a:p>
+            <a:pPr marL="171450" indent="-171450">
+              <a:buFontTx/>
+              <a:buChar char="-"/>
+            </a:pPr>
+            <a:r>
+              <a:rPr lang="de-DE" baseline="0" dirty="0" smtClean="0"/>
+              <a:t>Puls wird nun verstärkt (bis Faktor 10^10 möglich)</a:t>
+            </a:r>
+          </a:p>
+          <a:p>
+            <a:pPr marL="171450" indent="-171450">
+              <a:buFontTx/>
+              <a:buChar char="-"/>
+            </a:pPr>
+            <a:r>
+              <a:rPr lang="de-DE" baseline="0" dirty="0" smtClean="0"/>
+              <a:t>Danach wird Puls wieder </a:t>
+            </a:r>
+            <a:r>
+              <a:rPr lang="de-DE" baseline="0" dirty="0" err="1" smtClean="0"/>
+              <a:t>kompremiert</a:t>
+            </a:r>
+            <a:endParaRPr lang="de-DE" baseline="0" dirty="0" smtClean="0"/>
+          </a:p>
+          <a:p>
+            <a:pPr marL="171450" indent="-171450">
+              <a:buFontTx/>
+              <a:buChar char="-"/>
+            </a:pPr>
+            <a:endParaRPr lang="de-DE" baseline="0" dirty="0" smtClean="0"/>
+          </a:p>
+          <a:p>
+            <a:pPr marL="171450" indent="-171450">
+              <a:buFontTx/>
+              <a:buChar char="-"/>
+            </a:pPr>
+            <a:endParaRPr lang="de-DE" baseline="0" dirty="0" smtClean="0"/>
+          </a:p>
+          <a:p>
+            <a:pPr marL="171450" indent="-171450">
+              <a:buFontTx/>
+              <a:buChar char="-"/>
+            </a:pPr>
+            <a:endParaRPr lang="de-DE" baseline="0" dirty="0" smtClean="0"/>
+          </a:p>
+          <a:p>
+            <a:pPr marL="171450" indent="-171450">
+              <a:buFontTx/>
+              <a:buChar char="-"/>
+            </a:pPr>
+            <a:endParaRPr lang="de-DE" baseline="0" dirty="0" smtClean="0"/>
+          </a:p>
+        </p:txBody>
+      </p:sp>
+      <p:sp>
+        <p:nvSpPr>
+          <p:cNvPr id="4" name="Fußzeilenplatzhalter 3"/>
+          <p:cNvSpPr>
+            <a:spLocks noGrp="1"/>
+          </p:cNvSpPr>
+          <p:nvPr>
+            <p:ph type="ftr" sz="quarter" idx="10"/>
+          </p:nvPr>
+        </p:nvSpPr>
+        <p:spPr/>
+        <p:txBody>
+          <a:bodyPr/>
+          <a:lstStyle/>
+          <a:p>
+            <a:r>
+              <a:rPr lang="de-DE" smtClean="0"/>
+              <a:t>Max Koch</a:t>
+            </a:r>
+            <a:endParaRPr lang="de-DE"/>
+          </a:p>
+        </p:txBody>
+      </p:sp>
+      <p:sp>
+        <p:nvSpPr>
+          <p:cNvPr id="5" name="Foliennummernplatzhalter 4"/>
+          <p:cNvSpPr>
+            <a:spLocks noGrp="1"/>
+          </p:cNvSpPr>
+          <p:nvPr>
+            <p:ph type="sldNum" sz="quarter" idx="11"/>
+          </p:nvPr>
+        </p:nvSpPr>
+        <p:spPr/>
+        <p:txBody>
+          <a:bodyPr/>
+          <a:lstStyle/>
+          <a:p>
+            <a:fld id="{0C5A8957-2272-47E9-ACB7-BE704508C9C4}" type="slidenum">
+              <a:rPr lang="de-DE" smtClean="0"/>
+              <a:t>9</a:t>
+            </a:fld>
+            <a:endParaRPr lang="de-DE"/>
+          </a:p>
+        </p:txBody>
+      </p:sp>
+    </p:spTree>
+    <p:extLst>
+      <p:ext uri="{BB962C8B-B14F-4D97-AF65-F5344CB8AC3E}">
+        <p14:creationId xmlns:p14="http://schemas.microsoft.com/office/powerpoint/2010/main" val="3136177303"/>
+      </p:ext>
+    </p:extLst>
+  </p:cSld>
+  <p:clrMapOvr>
+    <a:masterClrMapping/>
+  </p:clrMapOvr>
+</p:notes>
+</file>
+
+<file path=ppt/notesSlides/notesSlide7.xml><?xml version="1.0" encoding="utf-8"?>
+<p:notes xmlns:a="http://schemas.openxmlformats.org/drawingml/2006/main" xmlns:r="http://schemas.openxmlformats.org/officeDocument/2006/relationships" xmlns:p="http://schemas.openxmlformats.org/presentationml/2006/main">
+  <p:cSld>
+    <p:spTree>
+      <p:nvGrpSpPr>
+        <p:cNvPr id="1" name=""/>
+        <p:cNvGrpSpPr/>
+        <p:nvPr/>
+      </p:nvGrpSpPr>
+      <p:grpSpPr>
+        <a:xfrm>
+          <a:off x="0" y="0"/>
+          <a:ext cx="0" cy="0"/>
+          <a:chOff x="0" y="0"/>
+          <a:chExt cx="0" cy="0"/>
+        </a:xfrm>
+      </p:grpSpPr>
+      <p:sp>
+        <p:nvSpPr>
+          <p:cNvPr id="2" name="Folienbildplatzhalter 1"/>
+          <p:cNvSpPr>
+            <a:spLocks noGrp="1" noRot="1" noChangeAspect="1"/>
+          </p:cNvSpPr>
+          <p:nvPr>
+            <p:ph type="sldImg"/>
+          </p:nvPr>
+        </p:nvSpPr>
+        <p:spPr/>
+      </p:sp>
+      <p:sp>
+        <p:nvSpPr>
+          <p:cNvPr id="3" name="Notizenplatzhalter 2"/>
+          <p:cNvSpPr>
+            <a:spLocks noGrp="1"/>
+          </p:cNvSpPr>
+          <p:nvPr>
+            <p:ph type="body" idx="1"/>
+          </p:nvPr>
+        </p:nvSpPr>
+        <p:spPr/>
+        <p:txBody>
+          <a:bodyPr/>
+          <a:lstStyle/>
+          <a:p>
+            <a:r>
+              <a:rPr lang="de-DE" dirty="0" smtClean="0"/>
+              <a:t>-Single Mode Fiber</a:t>
+            </a:r>
+            <a:r>
+              <a:rPr lang="de-DE" baseline="0" dirty="0" smtClean="0"/>
+              <a:t> zieht den Puls in der Zeitdomäne auseinander. (negative </a:t>
+            </a:r>
+            <a:r>
+              <a:rPr lang="de-DE" baseline="0" dirty="0" err="1" smtClean="0"/>
+              <a:t>dispersion</a:t>
+            </a:r>
+            <a:r>
+              <a:rPr lang="de-DE" baseline="0" dirty="0" smtClean="0"/>
+              <a:t> </a:t>
+            </a:r>
+            <a:r>
+              <a:rPr lang="de-DE" baseline="0" dirty="0" err="1" smtClean="0"/>
+              <a:t>dn</a:t>
+            </a:r>
+            <a:r>
+              <a:rPr lang="de-DE" baseline="0" dirty="0" smtClean="0"/>
+              <a:t>/</a:t>
+            </a:r>
+            <a:r>
+              <a:rPr lang="de-DE" baseline="0" dirty="0" err="1" smtClean="0"/>
+              <a:t>dlambda</a:t>
+            </a:r>
+            <a:r>
+              <a:rPr lang="de-DE" baseline="0" dirty="0" smtClean="0"/>
+              <a:t> &lt;0)</a:t>
+            </a:r>
+          </a:p>
+          <a:p>
+            <a:endParaRPr lang="de-DE" dirty="0" smtClean="0"/>
+          </a:p>
+          <a:p>
+            <a:r>
+              <a:rPr lang="de-DE" dirty="0" smtClean="0"/>
+              <a:t>-Puls</a:t>
+            </a:r>
+            <a:r>
+              <a:rPr lang="de-DE" baseline="0" dirty="0" smtClean="0"/>
+              <a:t> wird dann in </a:t>
+            </a:r>
+            <a:r>
+              <a:rPr lang="de-DE" baseline="0" dirty="0" err="1" smtClean="0"/>
+              <a:t>verstärker</a:t>
+            </a:r>
+            <a:r>
+              <a:rPr lang="de-DE" baseline="0" dirty="0" smtClean="0"/>
+              <a:t> </a:t>
+            </a:r>
+            <a:r>
+              <a:rPr lang="de-DE" baseline="0" dirty="0" err="1" smtClean="0"/>
+              <a:t>eingekopplet</a:t>
+            </a:r>
+            <a:r>
+              <a:rPr lang="de-DE" baseline="0" dirty="0" smtClean="0"/>
+              <a:t>.</a:t>
+            </a:r>
+          </a:p>
+          <a:p>
+            <a:r>
+              <a:rPr lang="de-DE" baseline="0" dirty="0" smtClean="0"/>
+              <a:t>-Im </a:t>
+            </a:r>
+            <a:r>
+              <a:rPr lang="de-DE" baseline="0" dirty="0" err="1" smtClean="0"/>
+              <a:t>grunde</a:t>
+            </a:r>
+            <a:r>
+              <a:rPr lang="de-DE" baseline="0" dirty="0" smtClean="0"/>
+              <a:t> fängt dieser eine gewisse Anzahl an Pulsen ein und legt sie Übereinander wodurch der Puls immer stärker wird.</a:t>
+            </a:r>
+          </a:p>
+          <a:p>
+            <a:r>
+              <a:rPr lang="de-DE" baseline="0" dirty="0" smtClean="0"/>
+              <a:t>-Zudem befindet sich ein </a:t>
+            </a:r>
+            <a:r>
+              <a:rPr lang="de-DE" baseline="0" dirty="0" err="1" smtClean="0"/>
+              <a:t>Gain</a:t>
+            </a:r>
+            <a:r>
+              <a:rPr lang="de-DE" baseline="0" dirty="0" smtClean="0"/>
+              <a:t> medium im </a:t>
+            </a:r>
+            <a:r>
+              <a:rPr lang="de-DE" baseline="0" dirty="0" err="1" smtClean="0"/>
+              <a:t>verstärker</a:t>
+            </a:r>
+            <a:r>
+              <a:rPr lang="de-DE" baseline="0" dirty="0" smtClean="0"/>
+              <a:t> welches Photonen  ausgibt</a:t>
+            </a:r>
+          </a:p>
+          <a:p>
+            <a:r>
+              <a:rPr lang="de-DE" baseline="0" dirty="0" smtClean="0"/>
+              <a:t>-nach 100 Resonator runden ~1mikro </a:t>
+            </a:r>
+            <a:r>
+              <a:rPr lang="de-DE" baseline="0" dirty="0" err="1" smtClean="0"/>
+              <a:t>sekunde</a:t>
+            </a:r>
+            <a:r>
+              <a:rPr lang="de-DE" baseline="0" dirty="0" smtClean="0"/>
+              <a:t> wird Puls emittiert.</a:t>
+            </a:r>
+          </a:p>
+          <a:p>
+            <a:r>
+              <a:rPr lang="de-DE" baseline="0" dirty="0" smtClean="0"/>
+              <a:t>-Puls ist nun verstärkt</a:t>
+            </a:r>
+          </a:p>
+          <a:p>
+            <a:r>
+              <a:rPr lang="de-DE" baseline="0" dirty="0" smtClean="0"/>
+              <a:t>-Jetzt wird Puls wieder gestaucht</a:t>
+            </a:r>
+          </a:p>
+          <a:p>
+            <a:r>
+              <a:rPr lang="de-DE" baseline="0" dirty="0" smtClean="0"/>
+              <a:t>-Output ist starker kurzer Puls</a:t>
+            </a:r>
+          </a:p>
+          <a:p>
+            <a:endParaRPr lang="de-DE" baseline="0" dirty="0" smtClean="0"/>
+          </a:p>
+          <a:p>
+            <a:r>
+              <a:rPr lang="de-DE" baseline="0" dirty="0" smtClean="0"/>
+              <a:t>Alternativ anstatt des </a:t>
+            </a:r>
+            <a:r>
+              <a:rPr lang="de-DE" baseline="0" dirty="0" err="1" smtClean="0"/>
+              <a:t>Fibers</a:t>
+            </a:r>
+            <a:r>
+              <a:rPr lang="de-DE" baseline="0" dirty="0" smtClean="0"/>
+              <a:t> auch </a:t>
+            </a:r>
+            <a:r>
+              <a:rPr lang="de-DE" baseline="0" dirty="0" err="1" smtClean="0"/>
+              <a:t>optsiche</a:t>
+            </a:r>
+            <a:r>
+              <a:rPr lang="de-DE" baseline="0" dirty="0" smtClean="0"/>
+              <a:t> Gitter</a:t>
+            </a:r>
+          </a:p>
+          <a:p>
+            <a:endParaRPr lang="de-DE" dirty="0"/>
+          </a:p>
+        </p:txBody>
+      </p:sp>
+      <p:sp>
+        <p:nvSpPr>
+          <p:cNvPr id="4" name="Fußzeilenplatzhalter 3"/>
+          <p:cNvSpPr>
+            <a:spLocks noGrp="1"/>
+          </p:cNvSpPr>
+          <p:nvPr>
+            <p:ph type="ftr" sz="quarter" idx="10"/>
+          </p:nvPr>
+        </p:nvSpPr>
+        <p:spPr/>
+        <p:txBody>
+          <a:bodyPr/>
+          <a:lstStyle/>
+          <a:p>
+            <a:r>
+              <a:rPr lang="de-DE" smtClean="0"/>
+              <a:t>Max Koch</a:t>
+            </a:r>
+            <a:endParaRPr lang="de-DE"/>
+          </a:p>
+        </p:txBody>
+      </p:sp>
+      <p:sp>
+        <p:nvSpPr>
+          <p:cNvPr id="5" name="Foliennummernplatzhalter 4"/>
+          <p:cNvSpPr>
+            <a:spLocks noGrp="1"/>
+          </p:cNvSpPr>
+          <p:nvPr>
+            <p:ph type="sldNum" sz="quarter" idx="11"/>
+          </p:nvPr>
+        </p:nvSpPr>
+        <p:spPr/>
+        <p:txBody>
+          <a:bodyPr/>
+          <a:lstStyle/>
+          <a:p>
+            <a:fld id="{0C5A8957-2272-47E9-ACB7-BE704508C9C4}" type="slidenum">
+              <a:rPr lang="de-DE" smtClean="0"/>
+              <a:t>10</a:t>
+            </a:fld>
+            <a:endParaRPr lang="de-DE"/>
+          </a:p>
+        </p:txBody>
+      </p:sp>
+    </p:spTree>
+    <p:extLst>
+      <p:ext uri="{BB962C8B-B14F-4D97-AF65-F5344CB8AC3E}">
+        <p14:creationId xmlns:p14="http://schemas.microsoft.com/office/powerpoint/2010/main" val="3753403431"/>
+      </p:ext>
+    </p:extLst>
+  </p:cSld>
+  <p:clrMapOvr>
+    <a:masterClrMapping/>
+  </p:clrMapOvr>
+</p:notes>
+</file>
+
+<file path=ppt/notesSlides/notesSlide8.xml><?xml version="1.0" encoding="utf-8"?>
+<p:notes xmlns:a="http://schemas.openxmlformats.org/drawingml/2006/main" xmlns:r="http://schemas.openxmlformats.org/officeDocument/2006/relationships" xmlns:p="http://schemas.openxmlformats.org/presentationml/2006/main">
+  <p:cSld>
+    <p:spTree>
+      <p:nvGrpSpPr>
+        <p:cNvPr id="1" name=""/>
+        <p:cNvGrpSpPr/>
+        <p:nvPr/>
+      </p:nvGrpSpPr>
+      <p:grpSpPr>
+        <a:xfrm>
+          <a:off x="0" y="0"/>
+          <a:ext cx="0" cy="0"/>
+          <a:chOff x="0" y="0"/>
+          <a:chExt cx="0" cy="0"/>
+        </a:xfrm>
+      </p:grpSpPr>
+      <p:sp>
+        <p:nvSpPr>
+          <p:cNvPr id="2" name="Folienbildplatzhalter 1"/>
+          <p:cNvSpPr>
+            <a:spLocks noGrp="1" noRot="1" noChangeAspect="1"/>
+          </p:cNvSpPr>
+          <p:nvPr>
+            <p:ph type="sldImg"/>
+          </p:nvPr>
+        </p:nvSpPr>
+        <p:spPr/>
+      </p:sp>
+      <p:sp>
+        <p:nvSpPr>
+          <p:cNvPr id="3" name="Notizenplatzhalter 2"/>
+          <p:cNvSpPr>
+            <a:spLocks noGrp="1"/>
+          </p:cNvSpPr>
+          <p:nvPr>
+            <p:ph type="body" idx="1"/>
+          </p:nvPr>
+        </p:nvSpPr>
+        <p:spPr/>
+        <p:txBody>
+          <a:bodyPr/>
+          <a:lstStyle/>
+          <a:p>
+            <a:r>
+              <a:rPr lang="de-DE" dirty="0" smtClean="0"/>
+              <a:t>Bandbreite des Pulses wird</a:t>
+            </a:r>
+            <a:r>
+              <a:rPr lang="de-DE" baseline="0" dirty="0" smtClean="0"/>
+              <a:t> durch unterschiedliche Brechung von kurzwelligem und langwelligem Licht erhöht bzw. verringert</a:t>
+            </a:r>
+          </a:p>
+        </p:txBody>
+      </p:sp>
+      <p:sp>
+        <p:nvSpPr>
+          <p:cNvPr id="4" name="Fußzeilenplatzhalter 3"/>
+          <p:cNvSpPr>
+            <a:spLocks noGrp="1"/>
+          </p:cNvSpPr>
+          <p:nvPr>
+            <p:ph type="ftr" sz="quarter" idx="10"/>
+          </p:nvPr>
+        </p:nvSpPr>
+        <p:spPr/>
+        <p:txBody>
+          <a:bodyPr/>
+          <a:lstStyle/>
+          <a:p>
+            <a:r>
+              <a:rPr lang="de-DE" smtClean="0"/>
+              <a:t>Max Koch</a:t>
+            </a:r>
+            <a:endParaRPr lang="de-DE"/>
+          </a:p>
+        </p:txBody>
+      </p:sp>
+      <p:sp>
+        <p:nvSpPr>
+          <p:cNvPr id="5" name="Foliennummernplatzhalter 4"/>
+          <p:cNvSpPr>
+            <a:spLocks noGrp="1"/>
+          </p:cNvSpPr>
+          <p:nvPr>
+            <p:ph type="sldNum" sz="quarter" idx="11"/>
+          </p:nvPr>
+        </p:nvSpPr>
+        <p:spPr/>
+        <p:txBody>
+          <a:bodyPr/>
+          <a:lstStyle/>
+          <a:p>
+            <a:fld id="{0C5A8957-2272-47E9-ACB7-BE704508C9C4}" type="slidenum">
+              <a:rPr lang="de-DE" smtClean="0"/>
+              <a:t>11</a:t>
+            </a:fld>
+            <a:endParaRPr lang="de-DE"/>
+          </a:p>
+        </p:txBody>
+      </p:sp>
+    </p:spTree>
+    <p:extLst>
+      <p:ext uri="{BB962C8B-B14F-4D97-AF65-F5344CB8AC3E}">
+        <p14:creationId xmlns:p14="http://schemas.microsoft.com/office/powerpoint/2010/main" val="3674820537"/>
+      </p:ext>
+    </p:extLst>
+  </p:cSld>
+  <p:clrMapOvr>
+    <a:masterClrMapping/>
+  </p:clrMapOvr>
+</p:notes>
+</file>
+
+<file path=ppt/notesSlides/notesSlide9.xml><?xml version="1.0" encoding="utf-8"?>
+<p:notes xmlns:a="http://schemas.openxmlformats.org/drawingml/2006/main" xmlns:r="http://schemas.openxmlformats.org/officeDocument/2006/relationships" xmlns:p="http://schemas.openxmlformats.org/presentationml/2006/main">
+  <p:cSld>
+    <p:spTree>
+      <p:nvGrpSpPr>
+        <p:cNvPr id="1" name=""/>
+        <p:cNvGrpSpPr/>
+        <p:nvPr/>
+      </p:nvGrpSpPr>
+      <p:grpSpPr>
+        <a:xfrm>
+          <a:off x="0" y="0"/>
+          <a:ext cx="0" cy="0"/>
+          <a:chOff x="0" y="0"/>
+          <a:chExt cx="0" cy="0"/>
+        </a:xfrm>
+      </p:grpSpPr>
+      <p:sp>
+        <p:nvSpPr>
+          <p:cNvPr id="2" name="Folienbildplatzhalter 1"/>
+          <p:cNvSpPr>
+            <a:spLocks noGrp="1" noRot="1" noChangeAspect="1"/>
+          </p:cNvSpPr>
+          <p:nvPr>
+            <p:ph type="sldImg"/>
+          </p:nvPr>
+        </p:nvSpPr>
+        <p:spPr/>
+      </p:sp>
+      <p:sp>
+        <p:nvSpPr>
+          <p:cNvPr id="3" name="Notizenplatzhalter 2"/>
+          <p:cNvSpPr>
+            <a:spLocks noGrp="1"/>
+          </p:cNvSpPr>
+          <p:nvPr>
+            <p:ph type="body" idx="1"/>
+          </p:nvPr>
+        </p:nvSpPr>
+        <p:spPr/>
+        <p:txBody>
+          <a:bodyPr/>
+          <a:lstStyle/>
+          <a:p>
+            <a:pPr marL="171450" indent="-171450">
+              <a:buFontTx/>
+              <a:buChar char="-"/>
+            </a:pPr>
+            <a:r>
+              <a:rPr lang="de-DE" baseline="0" dirty="0" smtClean="0"/>
+              <a:t>Trägheitsfusion </a:t>
+            </a:r>
+            <a:r>
+              <a:rPr lang="de-DE" dirty="0" smtClean="0"/>
+              <a:t>10</a:t>
+            </a:r>
+            <a:r>
+              <a:rPr lang="de-DE" baseline="30000" dirty="0" smtClean="0"/>
+              <a:t>15</a:t>
+            </a:r>
+            <a:r>
+              <a:rPr lang="de-DE" dirty="0" smtClean="0"/>
+              <a:t> W cm</a:t>
+            </a:r>
+            <a:r>
+              <a:rPr lang="de-DE" baseline="30000" dirty="0" smtClean="0"/>
+              <a:t>−2</a:t>
+            </a:r>
+          </a:p>
+          <a:p>
+            <a:pPr marL="171450" indent="-171450">
+              <a:buFontTx/>
+              <a:buChar char="-"/>
+            </a:pPr>
+            <a:endParaRPr lang="de-DE" baseline="0" dirty="0" smtClean="0"/>
+          </a:p>
+        </p:txBody>
+      </p:sp>
+      <p:sp>
+        <p:nvSpPr>
+          <p:cNvPr id="4" name="Fußzeilenplatzhalter 3"/>
+          <p:cNvSpPr>
+            <a:spLocks noGrp="1"/>
+          </p:cNvSpPr>
+          <p:nvPr>
+            <p:ph type="ftr" sz="quarter" idx="10"/>
+          </p:nvPr>
+        </p:nvSpPr>
+        <p:spPr/>
+        <p:txBody>
+          <a:bodyPr/>
+          <a:lstStyle/>
+          <a:p>
+            <a:r>
+              <a:rPr lang="de-DE" smtClean="0"/>
+              <a:t>Max Koch</a:t>
+            </a:r>
+            <a:endParaRPr lang="de-DE"/>
+          </a:p>
+        </p:txBody>
+      </p:sp>
+      <p:sp>
+        <p:nvSpPr>
+          <p:cNvPr id="5" name="Foliennummernplatzhalter 4"/>
+          <p:cNvSpPr>
+            <a:spLocks noGrp="1"/>
+          </p:cNvSpPr>
+          <p:nvPr>
+            <p:ph type="sldNum" sz="quarter" idx="11"/>
+          </p:nvPr>
+        </p:nvSpPr>
+        <p:spPr/>
+        <p:txBody>
+          <a:bodyPr/>
+          <a:lstStyle/>
+          <a:p>
+            <a:fld id="{0C5A8957-2272-47E9-ACB7-BE704508C9C4}" type="slidenum">
+              <a:rPr lang="de-DE" smtClean="0"/>
+              <a:t>12</a:t>
+            </a:fld>
+            <a:endParaRPr lang="de-DE"/>
+          </a:p>
+        </p:txBody>
+      </p:sp>
+    </p:spTree>
+    <p:extLst>
+      <p:ext uri="{BB962C8B-B14F-4D97-AF65-F5344CB8AC3E}">
+        <p14:creationId xmlns:p14="http://schemas.microsoft.com/office/powerpoint/2010/main" val="380923333"/>
       </p:ext>
     </p:extLst>
   </p:cSld>
@@ -5565,35 +6884,36 @@
           <a:chExt cx="0" cy="0"/>
         </a:xfrm>
       </p:grpSpPr>
-      <p:sp>
-        <p:nvSpPr>
-          <p:cNvPr id="12" name="Titel 11"/>
-          <p:cNvSpPr>
-            <a:spLocks noGrp="1"/>
-          </p:cNvSpPr>
-          <p:nvPr>
-            <p:ph type="title"/>
-          </p:nvPr>
-        </p:nvSpPr>
+      <p:pic>
+        <p:nvPicPr>
+          <p:cNvPr id="7" name="Grafik 6"/>
+          <p:cNvPicPr>
+            <a:picLocks noChangeAspect="1"/>
+          </p:cNvPicPr>
+          <p:nvPr/>
+        </p:nvPicPr>
+        <p:blipFill>
+          <a:blip r:embed="rId3">
+            <a:extLst>
+              <a:ext uri="{28A0092B-C50C-407E-A947-70E740481C1C}">
+                <a14:useLocalDpi xmlns:a14="http://schemas.microsoft.com/office/drawing/2010/main" val="0"/>
+              </a:ext>
+            </a:extLst>
+          </a:blip>
+          <a:stretch>
+            <a:fillRect/>
+          </a:stretch>
+        </p:blipFill>
         <p:spPr>
           <a:xfrm>
-            <a:off x="0" y="1414745"/>
-            <a:ext cx="9144000" cy="435722"/>
-          </a:xfrm>
-        </p:spPr>
-        <p:txBody>
-          <a:bodyPr/>
-          <a:lstStyle/>
-          <a:p>
-            <a:pPr algn="ctr"/>
-            <a:r>
-              <a:rPr lang="de-DE" sz="4000" b="1" dirty="0" smtClean="0"/>
-              <a:t>Seminar Moderne Optik</a:t>
-            </a:r>
-            <a:endParaRPr lang="de-DE" sz="4000" b="1" dirty="0"/>
-          </a:p>
-        </p:txBody>
-      </p:sp>
+            <a:off x="0" y="1309133"/>
+            <a:ext cx="9144000" cy="5279558"/>
+          </a:xfrm>
+          <a:prstGeom prst="rect">
+            <a:avLst/>
+          </a:prstGeom>
+        </p:spPr>
+      </p:pic>
       <p:sp>
         <p:nvSpPr>
           <p:cNvPr id="4" name="Rechteck 3"/>
@@ -5706,14 +7026,14 @@
       </p:sp>
       <p:sp>
         <p:nvSpPr>
-          <p:cNvPr id="5" name="Textfeld 4"/>
+          <p:cNvPr id="8" name="Textfeld 7"/>
           <p:cNvSpPr txBox="1"/>
           <p:nvPr/>
         </p:nvSpPr>
         <p:spPr>
           <a:xfrm>
-            <a:off x="0" y="3575668"/>
-            <a:ext cx="9144000" cy="707886"/>
+            <a:off x="6751529" y="1497023"/>
+            <a:ext cx="1979112" cy="369332"/>
           </a:xfrm>
           <a:prstGeom prst="rect">
             <a:avLst/>
@@ -5726,25 +7046,21 @@
           </a:bodyPr>
           <a:lstStyle/>
           <a:p>
-            <a:pPr algn="ctr"/>
-            <a:r>
-              <a:rPr lang="de-DE" sz="4000" b="1" dirty="0" smtClean="0">
-                <a:latin typeface="Arial" panose="020B0604020202020204" pitchFamily="34" charset="0"/>
-                <a:cs typeface="Arial" panose="020B0604020202020204" pitchFamily="34" charset="0"/>
+            <a:r>
+              <a:rPr lang="de-DE" sz="900" dirty="0">
+                <a:solidFill>
+                  <a:srgbClr val="C5C6C6"/>
+                </a:solidFill>
               </a:rPr>
-              <a:t>Laser Verstärkung</a:t>
-            </a:r>
-            <a:endParaRPr lang="de-DE" sz="4000" b="1" dirty="0">
-              <a:latin typeface="Arial" panose="020B0604020202020204" pitchFamily="34" charset="0"/>
-              <a:cs typeface="Arial" panose="020B0604020202020204" pitchFamily="34" charset="0"/>
-            </a:endParaRPr>
+              <a:t>https://doi.org/10.1016/0030-4018(85)90120-8.</a:t>
+            </a:r>
           </a:p>
         </p:txBody>
       </p:sp>
     </p:spTree>
     <p:extLst>
       <p:ext uri="{BB962C8B-B14F-4D97-AF65-F5344CB8AC3E}">
-        <p14:creationId xmlns:p14="http://schemas.microsoft.com/office/powerpoint/2010/main" val="3111414159"/>
+        <p14:creationId xmlns:p14="http://schemas.microsoft.com/office/powerpoint/2010/main" val="3234946552"/>
       </p:ext>
     </p:extLst>
   </p:cSld>
@@ -5788,35 +7104,6 @@
       </p:grpSpPr>
       <p:sp>
         <p:nvSpPr>
-          <p:cNvPr id="12" name="Titel 11"/>
-          <p:cNvSpPr>
-            <a:spLocks noGrp="1"/>
-          </p:cNvSpPr>
-          <p:nvPr>
-            <p:ph type="title"/>
-          </p:nvPr>
-        </p:nvSpPr>
-        <p:spPr>
-          <a:xfrm>
-            <a:off x="0" y="1414745"/>
-            <a:ext cx="9144000" cy="435722"/>
-          </a:xfrm>
-        </p:spPr>
-        <p:txBody>
-          <a:bodyPr/>
-          <a:lstStyle/>
-          <a:p>
-            <a:pPr algn="ctr"/>
-            <a:r>
-              <a:rPr lang="de-DE" sz="4000" b="1" dirty="0" smtClean="0"/>
-              <a:t>Seminar Moderne Optik</a:t>
-            </a:r>
-            <a:endParaRPr lang="de-DE" sz="4000" b="1" dirty="0"/>
-          </a:p>
-        </p:txBody>
-      </p:sp>
-      <p:sp>
-        <p:nvSpPr>
           <p:cNvPr id="4" name="Rechteck 3"/>
           <p:cNvSpPr/>
           <p:nvPr/>
@@ -5925,16 +7212,40 @@
           </a:p>
         </p:txBody>
       </p:sp>
-      <p:sp>
-        <p:nvSpPr>
-          <p:cNvPr id="5" name="Textfeld 4"/>
+      <p:pic>
+        <p:nvPicPr>
+          <p:cNvPr id="5" name="Grafik 4"/>
+          <p:cNvPicPr>
+            <a:picLocks noChangeAspect="1"/>
+          </p:cNvPicPr>
+          <p:nvPr/>
+        </p:nvPicPr>
+        <p:blipFill>
+          <a:blip r:embed="rId3"/>
+          <a:stretch>
+            <a:fillRect/>
+          </a:stretch>
+        </p:blipFill>
+        <p:spPr>
+          <a:xfrm>
+            <a:off x="3043824" y="2763217"/>
+            <a:ext cx="5695162" cy="3491867"/>
+          </a:xfrm>
+          <a:prstGeom prst="rect">
+            <a:avLst/>
+          </a:prstGeom>
+        </p:spPr>
+      </p:pic>
+      <p:sp>
+        <p:nvSpPr>
+          <p:cNvPr id="6" name="Textfeld 5"/>
           <p:cNvSpPr txBox="1"/>
           <p:nvPr/>
         </p:nvSpPr>
         <p:spPr>
           <a:xfrm>
-            <a:off x="0" y="3575668"/>
-            <a:ext cx="9144000" cy="707886"/>
+            <a:off x="485129" y="1515649"/>
+            <a:ext cx="4725698" cy="461665"/>
           </a:xfrm>
           <a:prstGeom prst="rect">
             <a:avLst/>
@@ -5947,15 +7258,30 @@
           </a:bodyPr>
           <a:lstStyle/>
           <a:p>
-            <a:pPr algn="ctr"/>
-            <a:r>
-              <a:rPr lang="de-DE" sz="4000" b="1" dirty="0" smtClean="0">
+            <a:r>
+              <a:rPr lang="de-DE" sz="2400" dirty="0" smtClean="0">
+                <a:solidFill>
+                  <a:srgbClr val="84B818"/>
+                </a:solidFill>
                 <a:latin typeface="Arial" panose="020B0604020202020204" pitchFamily="34" charset="0"/>
                 <a:cs typeface="Arial" panose="020B0604020202020204" pitchFamily="34" charset="0"/>
               </a:rPr>
-              <a:t>Laser Verstärkung</a:t>
-            </a:r>
-            <a:endParaRPr lang="de-DE" sz="4000" b="1" dirty="0">
+              <a:t>Alternative zum </a:t>
+            </a:r>
+            <a:r>
+              <a:rPr lang="de-DE" sz="2400" dirty="0" err="1" smtClean="0">
+                <a:solidFill>
+                  <a:srgbClr val="84B818"/>
+                </a:solidFill>
+                <a:latin typeface="Arial" panose="020B0604020202020204" pitchFamily="34" charset="0"/>
+                <a:cs typeface="Arial" panose="020B0604020202020204" pitchFamily="34" charset="0"/>
+              </a:rPr>
+              <a:t>Glasphaserkabel</a:t>
+            </a:r>
+            <a:endParaRPr lang="de-DE" sz="2400" dirty="0">
+              <a:solidFill>
+                <a:srgbClr val="84B818"/>
+              </a:solidFill>
               <a:latin typeface="Arial" panose="020B0604020202020204" pitchFamily="34" charset="0"/>
               <a:cs typeface="Arial" panose="020B0604020202020204" pitchFamily="34" charset="0"/>
             </a:endParaRPr>
@@ -5965,7 +7291,7 @@
     </p:spTree>
     <p:extLst>
       <p:ext uri="{BB962C8B-B14F-4D97-AF65-F5344CB8AC3E}">
-        <p14:creationId xmlns:p14="http://schemas.microsoft.com/office/powerpoint/2010/main" val="3364770367"/>
+        <p14:creationId xmlns:p14="http://schemas.microsoft.com/office/powerpoint/2010/main" val="3114136752"/>
       </p:ext>
     </p:extLst>
   </p:cSld>
@@ -6027,12 +7353,11 @@
           <a:bodyPr/>
           <a:lstStyle/>
           <a:p>
-            <a:pPr algn="ctr"/>
-            <a:r>
-              <a:rPr lang="de-DE" sz="4000" b="1" dirty="0" smtClean="0"/>
-              <a:t>Seminar Moderne Optik</a:t>
-            </a:r>
-            <a:endParaRPr lang="de-DE" sz="4000" b="1" dirty="0"/>
+            <a:r>
+              <a:rPr lang="de-DE" sz="3200" b="1" dirty="0" smtClean="0"/>
+              <a:t>	Anwendung</a:t>
+            </a:r>
+            <a:endParaRPr lang="de-DE" sz="3200" b="1" dirty="0"/>
           </a:p>
         </p:txBody>
       </p:sp>
@@ -6148,14 +7473,14 @@
       </p:sp>
       <p:sp>
         <p:nvSpPr>
-          <p:cNvPr id="5" name="Textfeld 4"/>
+          <p:cNvPr id="6" name="Textfeld 5"/>
           <p:cNvSpPr txBox="1"/>
           <p:nvPr/>
         </p:nvSpPr>
         <p:spPr>
           <a:xfrm>
-            <a:off x="0" y="3575668"/>
-            <a:ext cx="9144000" cy="707886"/>
+            <a:off x="504056" y="2430049"/>
+            <a:ext cx="6764055" cy="3508653"/>
           </a:xfrm>
           <a:prstGeom prst="rect">
             <a:avLst/>
@@ -6168,25 +7493,126 @@
           </a:bodyPr>
           <a:lstStyle/>
           <a:p>
-            <a:pPr algn="ctr"/>
-            <a:r>
-              <a:rPr lang="de-DE" sz="4000" b="1" dirty="0" smtClean="0">
+            <a:pPr marL="285750" indent="-285750">
+              <a:lnSpc>
+                <a:spcPct val="150000"/>
+              </a:lnSpc>
+              <a:buClr>
+                <a:srgbClr val="84B818"/>
+              </a:buClr>
+              <a:buFont typeface="Arial" panose="020B0604020202020204" pitchFamily="34" charset="0"/>
+              <a:buChar char="•"/>
+            </a:pPr>
+            <a:r>
+              <a:rPr lang="de-DE" sz="2400" dirty="0" smtClean="0">
                 <a:latin typeface="Arial" panose="020B0604020202020204" pitchFamily="34" charset="0"/>
                 <a:cs typeface="Arial" panose="020B0604020202020204" pitchFamily="34" charset="0"/>
               </a:rPr>
-              <a:t>Laser Verstärkung</a:t>
-            </a:r>
-            <a:endParaRPr lang="de-DE" sz="4000" b="1" dirty="0">
+              <a:t>Nichtlineare Optik (höhere harmonische)</a:t>
+            </a:r>
+          </a:p>
+          <a:p>
+            <a:pPr marL="285750" indent="-285750">
+              <a:lnSpc>
+                <a:spcPct val="150000"/>
+              </a:lnSpc>
+              <a:buClr>
+                <a:srgbClr val="84B818"/>
+              </a:buClr>
+              <a:buFont typeface="Arial" panose="020B0604020202020204" pitchFamily="34" charset="0"/>
+              <a:buChar char="•"/>
+            </a:pPr>
+            <a:r>
+              <a:rPr lang="de-DE" sz="2400" dirty="0" smtClean="0">
+                <a:latin typeface="Arial" panose="020B0604020202020204" pitchFamily="34" charset="0"/>
+                <a:cs typeface="Arial" panose="020B0604020202020204" pitchFamily="34" charset="0"/>
+              </a:rPr>
+              <a:t>Multiphoton Ionisation</a:t>
+            </a:r>
+          </a:p>
+          <a:p>
+            <a:pPr marL="285750" indent="-285750">
+              <a:lnSpc>
+                <a:spcPct val="150000"/>
+              </a:lnSpc>
+              <a:buClr>
+                <a:srgbClr val="84B818"/>
+              </a:buClr>
+              <a:buFont typeface="Arial" panose="020B0604020202020204" pitchFamily="34" charset="0"/>
+              <a:buChar char="•"/>
+            </a:pPr>
+            <a:r>
+              <a:rPr lang="de-DE" sz="2400" dirty="0" smtClean="0">
+                <a:latin typeface="Arial" panose="020B0604020202020204" pitchFamily="34" charset="0"/>
+                <a:cs typeface="Arial" panose="020B0604020202020204" pitchFamily="34" charset="0"/>
+              </a:rPr>
+              <a:t>Anregung mehrere geladenen Ionen</a:t>
+            </a:r>
+          </a:p>
+          <a:p>
+            <a:pPr marL="285750" indent="-285750">
+              <a:lnSpc>
+                <a:spcPct val="150000"/>
+              </a:lnSpc>
+              <a:buClr>
+                <a:srgbClr val="84B818"/>
+              </a:buClr>
+              <a:buFont typeface="Arial" panose="020B0604020202020204" pitchFamily="34" charset="0"/>
+              <a:buChar char="•"/>
+            </a:pPr>
+            <a:r>
+              <a:rPr lang="de-DE" sz="2400" dirty="0" smtClean="0">
+                <a:latin typeface="Arial" panose="020B0604020202020204" pitchFamily="34" charset="0"/>
+                <a:cs typeface="Arial" panose="020B0604020202020204" pitchFamily="34" charset="0"/>
+              </a:rPr>
+              <a:t>Generation von hoch Temperatur Plasma</a:t>
+            </a:r>
+          </a:p>
+          <a:p>
+            <a:pPr marL="285750" indent="-285750">
+              <a:lnSpc>
+                <a:spcPct val="150000"/>
+              </a:lnSpc>
+              <a:buClr>
+                <a:srgbClr val="84B818"/>
+              </a:buClr>
+              <a:buFont typeface="Arial" panose="020B0604020202020204" pitchFamily="34" charset="0"/>
+              <a:buChar char="•"/>
+            </a:pPr>
+            <a:endParaRPr lang="de-DE" sz="2400" dirty="0" smtClean="0">
               <a:latin typeface="Arial" panose="020B0604020202020204" pitchFamily="34" charset="0"/>
               <a:cs typeface="Arial" panose="020B0604020202020204" pitchFamily="34" charset="0"/>
             </a:endParaRPr>
           </a:p>
+          <a:p>
+            <a:pPr marL="285750" indent="-285750">
+              <a:buClr>
+                <a:srgbClr val="84B818"/>
+              </a:buClr>
+              <a:buFont typeface="Arial" panose="020B0604020202020204" pitchFamily="34" charset="0"/>
+              <a:buChar char="•"/>
+            </a:pPr>
+            <a:endParaRPr lang="de-DE" sz="2400" dirty="0" smtClean="0">
+              <a:latin typeface="Arial" panose="020B0604020202020204" pitchFamily="34" charset="0"/>
+              <a:cs typeface="Arial" panose="020B0604020202020204" pitchFamily="34" charset="0"/>
+            </a:endParaRPr>
+          </a:p>
+          <a:p>
+            <a:pPr marL="285750" indent="-285750">
+              <a:buClr>
+                <a:srgbClr val="84B818"/>
+              </a:buClr>
+              <a:buFont typeface="Arial" panose="020B0604020202020204" pitchFamily="34" charset="0"/>
+              <a:buChar char="•"/>
+            </a:pPr>
+            <a:endParaRPr lang="de-DE" dirty="0"/>
+          </a:p>
         </p:txBody>
       </p:sp>
     </p:spTree>
     <p:extLst>
       <p:ext uri="{BB962C8B-B14F-4D97-AF65-F5344CB8AC3E}">
-        <p14:creationId xmlns:p14="http://schemas.microsoft.com/office/powerpoint/2010/main" val="844737277"/>
+        <p14:creationId xmlns:p14="http://schemas.microsoft.com/office/powerpoint/2010/main" val="653144830"/>
       </p:ext>
     </p:extLst>
   </p:cSld>
@@ -6376,7 +7802,7 @@
         <p:spPr>
           <a:xfrm>
             <a:off x="0" y="3575668"/>
-            <a:ext cx="9144000" cy="707886"/>
+            <a:ext cx="9144000" cy="2554545"/>
           </a:xfrm>
           <a:prstGeom prst="rect">
             <a:avLst/>
@@ -6395,8 +7821,45 @@
                 <a:latin typeface="Arial" panose="020B0604020202020204" pitchFamily="34" charset="0"/>
                 <a:cs typeface="Arial" panose="020B0604020202020204" pitchFamily="34" charset="0"/>
               </a:rPr>
-              <a:t>Laser Verstärkung</a:t>
-            </a:r>
+              <a:t>Worauf noch eingehen:</a:t>
+            </a:r>
+          </a:p>
+          <a:p>
+            <a:pPr algn="ctr"/>
+            <a:r>
+              <a:rPr lang="de-DE" sz="4000" b="1" dirty="0" smtClean="0">
+                <a:latin typeface="Arial" panose="020B0604020202020204" pitchFamily="34" charset="0"/>
+                <a:cs typeface="Arial" panose="020B0604020202020204" pitchFamily="34" charset="0"/>
+              </a:rPr>
+              <a:t>Produktion kurze Pulse(</a:t>
+            </a:r>
+            <a:r>
+              <a:rPr lang="de-DE" sz="4000" b="1" dirty="0" err="1" smtClean="0">
+                <a:latin typeface="Arial" panose="020B0604020202020204" pitchFamily="34" charset="0"/>
+                <a:cs typeface="Arial" panose="020B0604020202020204" pitchFamily="34" charset="0"/>
+              </a:rPr>
+              <a:t>fs</a:t>
+            </a:r>
+            <a:r>
+              <a:rPr lang="de-DE" sz="4000" b="1" dirty="0" smtClean="0">
+                <a:latin typeface="Arial" panose="020B0604020202020204" pitchFamily="34" charset="0"/>
+                <a:cs typeface="Arial" panose="020B0604020202020204" pitchFamily="34" charset="0"/>
+              </a:rPr>
+              <a:t>)</a:t>
+            </a:r>
+          </a:p>
+          <a:p>
+            <a:pPr algn="ctr"/>
+            <a:r>
+              <a:rPr lang="de-DE" sz="4000" b="1" dirty="0" smtClean="0">
+                <a:latin typeface="Arial" panose="020B0604020202020204" pitchFamily="34" charset="0"/>
+                <a:cs typeface="Arial" panose="020B0604020202020204" pitchFamily="34" charset="0"/>
+              </a:rPr>
+              <a:t>Spiegel für kurze Pulse</a:t>
+            </a:r>
+          </a:p>
+          <a:p>
+            <a:pPr algn="ctr"/>
             <a:endParaRPr lang="de-DE" sz="4000" b="1" dirty="0">
               <a:latin typeface="Arial" panose="020B0604020202020204" pitchFamily="34" charset="0"/>
               <a:cs typeface="Arial" panose="020B0604020202020204" pitchFamily="34" charset="0"/>
@@ -6521,18 +7984,13 @@
               <a:buAutoNum type="arabicPeriod"/>
             </a:pPr>
             <a:r>
-              <a:rPr lang="de-DE" sz="2300" dirty="0" smtClean="0">
+              <a:rPr lang="de-DE" sz="3600" dirty="0" smtClean="0">
                 <a:solidFill>
                   <a:schemeClr val="tx1"/>
                 </a:solidFill>
               </a:rPr>
               <a:t>Grundlagen</a:t>
             </a:r>
-            <a:endParaRPr lang="de-DE" sz="2300" dirty="0" smtClean="0">
-              <a:solidFill>
-                <a:schemeClr val="tx1"/>
-              </a:solidFill>
-            </a:endParaRPr>
           </a:p>
           <a:p>
             <a:pPr marL="342900" indent="-342900">
@@ -6540,14 +7998,28 @@
               <a:buAutoNum type="arabicPeriod"/>
             </a:pPr>
             <a:r>
-              <a:rPr lang="de-DE" sz="2300" dirty="0" smtClean="0">
+              <a:rPr lang="de-DE" sz="3600" dirty="0" smtClean="0">
                 <a:solidFill>
                   <a:schemeClr val="tx1"/>
                 </a:solidFill>
               </a:rPr>
               <a:t>Problem</a:t>
             </a:r>
-            <a:endParaRPr lang="de-DE" sz="2300" dirty="0">
+          </a:p>
+          <a:p>
+            <a:pPr marL="342900" indent="-342900">
+              <a:buFont typeface="+mj-lt"/>
+              <a:buAutoNum type="arabicPeriod"/>
+            </a:pPr>
+            <a:r>
+              <a:rPr lang="de-DE" sz="3600" dirty="0" smtClean="0">
+                <a:solidFill>
+                  <a:schemeClr val="tx1"/>
+                </a:solidFill>
+              </a:rPr>
+              <a:t>Methoden</a:t>
+            </a:r>
+            <a:endParaRPr lang="de-DE" sz="3600" dirty="0">
               <a:solidFill>
                 <a:schemeClr val="tx1"/>
               </a:solidFill>
@@ -6559,21 +8031,7 @@
               <a:buAutoNum type="arabicPeriod"/>
             </a:pPr>
             <a:r>
-              <a:rPr lang="de-DE" sz="2300" dirty="0">
-                <a:solidFill>
-                  <a:schemeClr val="tx1"/>
-                </a:solidFill>
-              </a:rPr>
-              <a:t>Strukturentwicklung</a:t>
-            </a:r>
-          </a:p>
-          <a:p>
-            <a:pPr marL="342900" indent="-342900">
-              <a:buFont typeface="+mj-lt"/>
-              <a:buAutoNum type="arabicPeriod"/>
-            </a:pPr>
-            <a:r>
-              <a:rPr lang="de-DE" sz="2300" dirty="0" err="1" smtClean="0">
+              <a:rPr lang="de-DE" sz="3600" dirty="0" err="1" smtClean="0">
                 <a:solidFill>
                   <a:schemeClr val="tx1"/>
                 </a:solidFill>
@@ -6581,7 +8039,7 @@
               <a:t>Chirped</a:t>
             </a:r>
             <a:r>
-              <a:rPr lang="de-DE" sz="2300" dirty="0" smtClean="0">
+              <a:rPr lang="de-DE" sz="3600" dirty="0" smtClean="0">
                 <a:solidFill>
                   <a:schemeClr val="tx1"/>
                 </a:solidFill>
@@ -6589,14 +8047,14 @@
               <a:t> pulse </a:t>
             </a:r>
             <a:r>
-              <a:rPr lang="de-DE" sz="2300" dirty="0" err="1" smtClean="0">
+              <a:rPr lang="de-DE" sz="3600" dirty="0" err="1" smtClean="0">
                 <a:solidFill>
                   <a:schemeClr val="tx1"/>
                 </a:solidFill>
               </a:rPr>
               <a:t>amplification</a:t>
             </a:r>
-            <a:endParaRPr lang="de-DE" sz="2300" dirty="0" smtClean="0">
+            <a:endParaRPr lang="de-DE" sz="3600" dirty="0" smtClean="0">
               <a:solidFill>
                 <a:schemeClr val="tx1"/>
               </a:solidFill>
@@ -6608,14 +8066,14 @@
               <a:buAutoNum type="alphaLcParenR"/>
             </a:pPr>
             <a:r>
-              <a:rPr lang="de-DE" sz="2300" dirty="0" smtClean="0">
+              <a:rPr lang="de-DE" sz="3600" dirty="0" smtClean="0">
                 <a:solidFill>
                   <a:schemeClr val="tx1"/>
                 </a:solidFill>
               </a:rPr>
               <a:t>Theorie</a:t>
             </a:r>
-            <a:endParaRPr lang="de-DE" sz="2300" dirty="0">
+            <a:endParaRPr lang="de-DE" sz="3600" dirty="0">
               <a:solidFill>
                 <a:schemeClr val="tx1"/>
               </a:solidFill>
@@ -6627,18 +8085,13 @@
               <a:buAutoNum type="alphaLcParenR"/>
             </a:pPr>
             <a:r>
-              <a:rPr lang="de-DE" sz="2300" dirty="0" smtClean="0">
+              <a:rPr lang="de-DE" sz="3600" dirty="0" smtClean="0">
                 <a:solidFill>
                   <a:schemeClr val="tx1"/>
                 </a:solidFill>
               </a:rPr>
               <a:t>Umsetzung </a:t>
             </a:r>
-            <a:endParaRPr lang="de-DE" sz="2300" dirty="0" smtClean="0">
-              <a:solidFill>
-                <a:schemeClr val="tx1"/>
-              </a:solidFill>
-            </a:endParaRPr>
           </a:p>
           <a:p>
             <a:pPr marL="342900" indent="-342900">
@@ -6646,14 +8099,14 @@
               <a:buAutoNum type="arabicPeriod"/>
             </a:pPr>
             <a:r>
-              <a:rPr lang="de-DE" sz="2300" dirty="0" smtClean="0">
+              <a:rPr lang="de-DE" sz="3600" dirty="0" smtClean="0">
                 <a:solidFill>
                   <a:schemeClr val="tx1"/>
                 </a:solidFill>
               </a:rPr>
               <a:t>Anwendung</a:t>
             </a:r>
-            <a:endParaRPr lang="de-DE" sz="2300" dirty="0">
+            <a:endParaRPr lang="de-DE" sz="3600" dirty="0">
               <a:solidFill>
                 <a:schemeClr val="tx1"/>
               </a:solidFill>
@@ -7655,8 +9108,8 @@
           </a:p>
         </p:txBody>
       </p:sp>
-      <mc:AlternateContent xmlns:mc="http://schemas.openxmlformats.org/markup-compatibility/2006">
-        <mc:Choice xmlns:a14="http://schemas.microsoft.com/office/drawing/2010/main" Requires="a14">
+      <mc:AlternateContent xmlns:mc="http://schemas.openxmlformats.org/markup-compatibility/2006" xmlns:a14="http://schemas.microsoft.com/office/drawing/2010/main">
+        <mc:Choice Requires="a14">
           <p:graphicFrame>
             <p:nvGraphicFramePr>
               <p:cNvPr id="6" name="Tabelle 5"/>
@@ -7666,14 +9119,14 @@
               <p:nvPr>
                 <p:extLst>
                   <p:ext uri="{D42A27DB-BD31-4B8C-83A1-F6EECF244321}">
-                    <p14:modId xmlns:p14="http://schemas.microsoft.com/office/powerpoint/2010/main" val="3502790256"/>
+                    <p14:modId xmlns:p14="http://schemas.microsoft.com/office/powerpoint/2010/main" val="3177046608"/>
                   </p:ext>
                 </p:extLst>
               </p:nvPr>
             </p:nvGraphicFramePr>
             <p:xfrm>
               <a:off x="485127" y="2216989"/>
-              <a:ext cx="6692050" cy="3933643"/>
+              <a:ext cx="6692050" cy="4275888"/>
             </p:xfrm>
             <a:graphic>
               <a:graphicData uri="http://schemas.openxmlformats.org/drawingml/2006/table">
@@ -7697,7 +9150,7 @@
                       </a:extLst>
                     </a:gridCol>
                   </a:tblGrid>
-                  <a:tr h="561949">
+                  <a:tr h="712648">
                     <a:tc>
                       <a:txBody>
                         <a:bodyPr/>
@@ -7732,7 +9185,7 @@
                       </a:ext>
                     </a:extLst>
                   </a:tr>
-                  <a:tr h="561949">
+                  <a:tr h="712648">
                     <a:tc>
                       <a:txBody>
                         <a:bodyPr/>
@@ -7787,7 +9240,7 @@
                       </a:ext>
                     </a:extLst>
                   </a:tr>
-                  <a:tr h="561949">
+                  <a:tr h="712648">
                     <a:tc>
                       <a:txBody>
                         <a:bodyPr/>
@@ -7828,7 +9281,7 @@
                       </a:ext>
                     </a:extLst>
                   </a:tr>
-                  <a:tr h="561949">
+                  <a:tr h="712648">
                     <a:tc>
                       <a:txBody>
                         <a:bodyPr/>
@@ -7913,7 +9366,7 @@
                       </a:ext>
                     </a:extLst>
                   </a:tr>
-                  <a:tr h="561949">
+                  <a:tr h="712648">
                     <a:tc>
                       <a:txBody>
                         <a:bodyPr/>
@@ -7990,7 +9443,7 @@
                       </a:ext>
                     </a:extLst>
                   </a:tr>
-                  <a:tr h="561949">
+                  <a:tr h="712648">
                     <a:tc>
                       <a:txBody>
                         <a:bodyPr/>
@@ -8035,39 +9488,12 @@
                       </a:ext>
                     </a:extLst>
                   </a:tr>
-                  <a:tr h="561949">
-                    <a:tc>
-                      <a:txBody>
-                        <a:bodyPr/>
-                        <a:lstStyle/>
-                        <a:p>
-                          <a:endParaRPr lang="de-DE"/>
-                        </a:p>
-                      </a:txBody>
-                      <a:tcPr/>
-                    </a:tc>
-                    <a:tc>
-                      <a:txBody>
-                        <a:bodyPr/>
-                        <a:lstStyle/>
-                        <a:p>
-                          <a:endParaRPr lang="de-DE" dirty="0"/>
-                        </a:p>
-                      </a:txBody>
-                      <a:tcPr/>
-                    </a:tc>
-                    <a:extLst>
-                      <a:ext uri="{0D108BD9-81ED-4DB2-BD59-A6C34878D82A}">
-                        <a16:rowId xmlns:a16="http://schemas.microsoft.com/office/drawing/2014/main" val="2701270461"/>
-                      </a:ext>
-                    </a:extLst>
-                  </a:tr>
                 </a:tbl>
               </a:graphicData>
             </a:graphic>
           </p:graphicFrame>
         </mc:Choice>
-        <mc:Fallback>
+        <mc:Fallback xmlns="">
           <p:graphicFrame>
             <p:nvGraphicFramePr>
               <p:cNvPr id="6" name="Tabelle 5"/>
@@ -8077,14 +9503,14 @@
               <p:nvPr>
                 <p:extLst>
                   <p:ext uri="{D42A27DB-BD31-4B8C-83A1-F6EECF244321}">
-                    <p14:modId xmlns:p14="http://schemas.microsoft.com/office/powerpoint/2010/main" val="3502790256"/>
+                    <p14:modId xmlns:p14="http://schemas.microsoft.com/office/powerpoint/2010/main" val="3177046608"/>
                   </p:ext>
                 </p:extLst>
               </p:nvPr>
             </p:nvGraphicFramePr>
             <p:xfrm>
               <a:off x="485127" y="2216989"/>
-              <a:ext cx="6692050" cy="3933643"/>
+              <a:ext cx="6692050" cy="4275888"/>
             </p:xfrm>
             <a:graphic>
               <a:graphicData uri="http://schemas.openxmlformats.org/drawingml/2006/table">
@@ -8108,7 +9534,7 @@
                       </a:extLst>
                     </a:gridCol>
                   </a:tblGrid>
-                  <a:tr h="561949">
+                  <a:tr h="712648">
                     <a:tc>
                       <a:txBody>
                         <a:bodyPr/>
@@ -8143,7 +9569,7 @@
                       </a:ext>
                     </a:extLst>
                   </a:tr>
-                  <a:tr h="561949">
+                  <a:tr h="712648">
                     <a:tc>
                       <a:txBody>
                         <a:bodyPr/>
@@ -8198,7 +9624,7 @@
                       </a:ext>
                     </a:extLst>
                   </a:tr>
-                  <a:tr h="561949">
+                  <a:tr h="712648">
                     <a:tc>
                       <a:txBody>
                         <a:bodyPr/>
@@ -8239,7 +9665,7 @@
                       </a:ext>
                     </a:extLst>
                   </a:tr>
-                  <a:tr h="561949">
+                  <a:tr h="712648">
                     <a:tc>
                       <a:txBody>
                         <a:bodyPr/>
@@ -8270,7 +9696,7 @@
                         <a:blipFill>
                           <a:blip r:embed="rId2"/>
                           <a:stretch>
-                            <a:fillRect l="-100364" t="-306522" r="-729" b="-304348"/>
+                            <a:fillRect l="-100364" t="-305128" r="-729" b="-201709"/>
                           </a:stretch>
                         </a:blipFill>
                       </a:tcPr>
@@ -8281,7 +9707,7 @@
                       </a:ext>
                     </a:extLst>
                   </a:tr>
-                  <a:tr h="561949">
+                  <a:tr h="712648">
                     <a:tc>
                       <a:txBody>
                         <a:bodyPr/>
@@ -8308,7 +9734,7 @@
                         <a:blipFill>
                           <a:blip r:embed="rId2"/>
                           <a:stretch>
-                            <a:fillRect l="-100364" t="-406522" r="-729" b="-204348"/>
+                            <a:fillRect l="-100364" t="-405128" r="-729" b="-101709"/>
                           </a:stretch>
                         </a:blipFill>
                       </a:tcPr>
@@ -8319,7 +9745,7 @@
                       </a:ext>
                     </a:extLst>
                   </a:tr>
-                  <a:tr h="561949">
+                  <a:tr h="712648">
                     <a:tc>
                       <a:txBody>
                         <a:bodyPr/>
@@ -8361,33 +9787,6 @@
                     <a:extLst>
                       <a:ext uri="{0D108BD9-81ED-4DB2-BD59-A6C34878D82A}">
                         <a16:rowId xmlns:a16="http://schemas.microsoft.com/office/drawing/2014/main" val="980807500"/>
-                      </a:ext>
-                    </a:extLst>
-                  </a:tr>
-                  <a:tr h="561949">
-                    <a:tc>
-                      <a:txBody>
-                        <a:bodyPr/>
-                        <a:lstStyle/>
-                        <a:p>
-                          <a:endParaRPr lang="de-DE"/>
-                        </a:p>
-                      </a:txBody>
-                      <a:tcPr/>
-                    </a:tc>
-                    <a:tc>
-                      <a:txBody>
-                        <a:bodyPr/>
-                        <a:lstStyle/>
-                        <a:p>
-                          <a:endParaRPr lang="de-DE" dirty="0"/>
-                        </a:p>
-                      </a:txBody>
-                      <a:tcPr/>
-                    </a:tc>
-                    <a:extLst>
-                      <a:ext uri="{0D108BD9-81ED-4DB2-BD59-A6C34878D82A}">
-                        <a16:rowId xmlns:a16="http://schemas.microsoft.com/office/drawing/2014/main" val="2701270461"/>
                       </a:ext>
                     </a:extLst>
                   </a:tr>
@@ -9026,7 +10425,7 @@
         </p:blipFill>
         <p:spPr>
           <a:xfrm>
-            <a:off x="4184463" y="1908248"/>
+            <a:off x="4572000" y="1169725"/>
             <a:ext cx="4572009" cy="3200406"/>
           </a:xfrm>
           <a:prstGeom prst="rect">
@@ -9042,7 +10441,7 @@
         </p:nvSpPr>
         <p:spPr>
           <a:xfrm>
-            <a:off x="4184463" y="5051019"/>
+            <a:off x="4573740" y="4153412"/>
             <a:ext cx="3378926" cy="230832"/>
           </a:xfrm>
           <a:prstGeom prst="rect">
@@ -9193,6 +10592,132 @@
                 <a:cs typeface="Arial" panose="020B0604020202020204" pitchFamily="34" charset="0"/>
               </a:rPr>
               <a:t>Laserimpuls</a:t>
+            </a:r>
+          </a:p>
+        </p:txBody>
+      </p:sp>
+      <p:pic>
+        <p:nvPicPr>
+          <p:cNvPr id="5" name="Grafik 4"/>
+          <p:cNvPicPr>
+            <a:picLocks noChangeAspect="1"/>
+          </p:cNvPicPr>
+          <p:nvPr/>
+        </p:nvPicPr>
+        <p:blipFill>
+          <a:blip r:embed="rId4">
+            <a:extLst>
+              <a:ext uri="{28A0092B-C50C-407E-A947-70E740481C1C}">
+                <a14:useLocalDpi xmlns:a14="http://schemas.microsoft.com/office/drawing/2010/main" val="0"/>
+              </a:ext>
+            </a:extLst>
+          </a:blip>
+          <a:stretch>
+            <a:fillRect/>
+          </a:stretch>
+        </p:blipFill>
+        <p:spPr>
+          <a:xfrm>
+            <a:off x="6531284" y="4464990"/>
+            <a:ext cx="1615858" cy="2423787"/>
+          </a:xfrm>
+          <a:prstGeom prst="rect">
+            <a:avLst/>
+          </a:prstGeom>
+        </p:spPr>
+      </p:pic>
+      <p:sp>
+        <p:nvSpPr>
+          <p:cNvPr id="9" name="Textfeld 8"/>
+          <p:cNvSpPr txBox="1"/>
+          <p:nvPr/>
+        </p:nvSpPr>
+        <p:spPr>
+          <a:xfrm>
+            <a:off x="8092440" y="6035040"/>
+            <a:ext cx="1051560" cy="507831"/>
+          </a:xfrm>
+          <a:prstGeom prst="rect">
+            <a:avLst/>
+          </a:prstGeom>
+          <a:noFill/>
+        </p:spPr>
+        <p:txBody>
+          <a:bodyPr wrap="square" rtlCol="0">
+            <a:spAutoFit/>
+          </a:bodyPr>
+          <a:lstStyle/>
+          <a:p>
+            <a:r>
+              <a:rPr lang="de-DE" sz="900" dirty="0">
+                <a:solidFill>
+                  <a:srgbClr val="C5C6C6"/>
+                </a:solidFill>
+              </a:rPr>
+              <a:t>https://www.nature.com/articles/550458a</a:t>
+            </a:r>
+          </a:p>
+        </p:txBody>
+      </p:sp>
+      <p:pic>
+        <p:nvPicPr>
+          <p:cNvPr id="10" name="Grafik 9"/>
+          <p:cNvPicPr>
+            <a:picLocks noChangeAspect="1"/>
+          </p:cNvPicPr>
+          <p:nvPr/>
+        </p:nvPicPr>
+        <p:blipFill>
+          <a:blip r:embed="rId5">
+            <a:extLst>
+              <a:ext uri="{28A0092B-C50C-407E-A947-70E740481C1C}">
+                <a14:useLocalDpi xmlns:a14="http://schemas.microsoft.com/office/drawing/2010/main" val="0"/>
+              </a:ext>
+            </a:extLst>
+          </a:blip>
+          <a:stretch>
+            <a:fillRect/>
+          </a:stretch>
+        </p:blipFill>
+        <p:spPr>
+          <a:xfrm>
+            <a:off x="4518959" y="4464989"/>
+            <a:ext cx="1889785" cy="2423787"/>
+          </a:xfrm>
+          <a:prstGeom prst="rect">
+            <a:avLst/>
+          </a:prstGeom>
+        </p:spPr>
+      </p:pic>
+      <p:sp>
+        <p:nvSpPr>
+          <p:cNvPr id="11" name="Textfeld 10"/>
+          <p:cNvSpPr txBox="1"/>
+          <p:nvPr/>
+        </p:nvSpPr>
+        <p:spPr>
+          <a:xfrm>
+            <a:off x="3452159" y="6096735"/>
+            <a:ext cx="1066800" cy="507831"/>
+          </a:xfrm>
+          <a:prstGeom prst="rect">
+            <a:avLst/>
+          </a:prstGeom>
+          <a:noFill/>
+        </p:spPr>
+        <p:txBody>
+          <a:bodyPr wrap="square" rtlCol="0">
+            <a:spAutoFit/>
+          </a:bodyPr>
+          <a:lstStyle/>
+          <a:p>
+            <a:r>
+              <a:rPr lang="de-DE" sz="900" dirty="0">
+                <a:solidFill>
+                  <a:srgbClr val="C5C6C6"/>
+                </a:solidFill>
+              </a:rPr>
+              <a:t>https://www.onthisday.com/people/gordon-gould</a:t>
             </a:r>
           </a:p>
         </p:txBody>
@@ -9254,7 +10779,7 @@
         </p:nvSpPr>
         <p:spPr>
           <a:xfrm>
-            <a:off x="0" y="1414745"/>
+            <a:off x="12526" y="1414745"/>
             <a:ext cx="9144000" cy="435722"/>
           </a:xfrm>
         </p:spPr>
@@ -9388,16 +10913,270 @@
           </a:p>
         </p:txBody>
       </p:sp>
-      <p:sp>
-        <p:nvSpPr>
-          <p:cNvPr id="5" name="Textfeld 4"/>
+      <mc:AlternateContent xmlns:mc="http://schemas.openxmlformats.org/markup-compatibility/2006" xmlns:a14="http://schemas.microsoft.com/office/drawing/2010/main">
+        <mc:Choice Requires="a14">
+          <p:sp>
+            <p:nvSpPr>
+              <p:cNvPr id="5" name="Textfeld 4"/>
+              <p:cNvSpPr txBox="1"/>
+              <p:nvPr/>
+            </p:nvSpPr>
+            <p:spPr>
+              <a:xfrm>
+                <a:off x="504056" y="2229633"/>
+                <a:ext cx="5859166" cy="3908762"/>
+              </a:xfrm>
+              <a:prstGeom prst="rect">
+                <a:avLst/>
+              </a:prstGeom>
+              <a:noFill/>
+            </p:spPr>
+            <p:txBody>
+              <a:bodyPr wrap="square" rtlCol="0">
+                <a:spAutoFit/>
+              </a:bodyPr>
+              <a:lstStyle/>
+              <a:p>
+                <a:pPr marL="457200" indent="-457200">
+                  <a:lnSpc>
+                    <a:spcPct val="200000"/>
+                  </a:lnSpc>
+                  <a:buClr>
+                    <a:srgbClr val="84B818"/>
+                  </a:buClr>
+                  <a:buFont typeface="+mj-lt"/>
+                  <a:buAutoNum type="arabicPeriod"/>
+                </a:pPr>
+                <a:r>
+                  <a:rPr lang="de-DE" sz="2000" dirty="0" smtClean="0">
+                    <a:latin typeface="Arial" panose="020B0604020202020204" pitchFamily="34" charset="0"/>
+                    <a:cs typeface="Arial" panose="020B0604020202020204" pitchFamily="34" charset="0"/>
+                  </a:rPr>
+                  <a:t>Laser oszilliert in vielen unabhängigen Moden</a:t>
+                </a:r>
+              </a:p>
+              <a:p>
+                <a:pPr marL="457200" indent="-457200">
+                  <a:lnSpc>
+                    <a:spcPct val="200000"/>
+                  </a:lnSpc>
+                  <a:buClr>
+                    <a:srgbClr val="84B818"/>
+                  </a:buClr>
+                  <a:buFont typeface="+mj-lt"/>
+                  <a:buAutoNum type="arabicPeriod"/>
+                </a:pPr>
+                <a:r>
+                  <a:rPr lang="de-DE" sz="2000" dirty="0" smtClean="0">
+                    <a:latin typeface="Arial" panose="020B0604020202020204" pitchFamily="34" charset="0"/>
+                    <a:cs typeface="Arial" panose="020B0604020202020204" pitchFamily="34" charset="0"/>
+                  </a:rPr>
+                  <a:t>Phasen werden gekoppelt </a:t>
+                </a:r>
+              </a:p>
+              <a:p>
+                <a:pPr marL="457200" indent="-457200">
+                  <a:lnSpc>
+                    <a:spcPct val="200000"/>
+                  </a:lnSpc>
+                  <a:buClr>
+                    <a:srgbClr val="84B818"/>
+                  </a:buClr>
+                  <a:buFont typeface="+mj-lt"/>
+                  <a:buAutoNum type="arabicPeriod"/>
+                </a:pPr>
+                <a:r>
+                  <a:rPr lang="de-DE" sz="2000" dirty="0" smtClean="0">
+                    <a:latin typeface="Arial" panose="020B0604020202020204" pitchFamily="34" charset="0"/>
+                    <a:cs typeface="Arial" panose="020B0604020202020204" pitchFamily="34" charset="0"/>
+                  </a:rPr>
+                  <a:t>Kohärente Superposition 		           der Modenamplituden</a:t>
+                </a:r>
+              </a:p>
+              <a:p>
+                <a:pPr marL="285750" indent="-285750">
+                  <a:lnSpc>
+                    <a:spcPct val="200000"/>
+                  </a:lnSpc>
+                  <a:buClr>
+                    <a:srgbClr val="84B818"/>
+                  </a:buClr>
+                  <a:buFont typeface="Arial" panose="020B0604020202020204" pitchFamily="34" charset="0"/>
+                  <a:buChar char="•"/>
+                </a:pPr>
+                <a:r>
+                  <a:rPr lang="de-DE" sz="2000" dirty="0" smtClean="0">
+                    <a:latin typeface="Arial" panose="020B0604020202020204" pitchFamily="34" charset="0"/>
+                    <a:cs typeface="Arial" panose="020B0604020202020204" pitchFamily="34" charset="0"/>
+                  </a:rPr>
+                  <a:t>Leistung </a:t>
+                </a:r>
+                <a:r>
+                  <a:rPr lang="de-DE" sz="2000" dirty="0" err="1" smtClean="0">
+                    <a:latin typeface="Arial" panose="020B0604020202020204" pitchFamily="34" charset="0"/>
+                    <a:cs typeface="Arial" panose="020B0604020202020204" pitchFamily="34" charset="0"/>
+                  </a:rPr>
+                  <a:t>proportinal</a:t>
+                </a:r>
+                <a:r>
+                  <a:rPr lang="de-DE" sz="2000" dirty="0" smtClean="0">
+                    <a:latin typeface="Arial" panose="020B0604020202020204" pitchFamily="34" charset="0"/>
+                    <a:cs typeface="Arial" panose="020B0604020202020204" pitchFamily="34" charset="0"/>
+                  </a:rPr>
+                  <a:t> zu </a:t>
+                </a:r>
+                <a14:m>
+                  <m:oMath xmlns:m="http://schemas.openxmlformats.org/officeDocument/2006/math">
+                    <m:sSup>
+                      <m:sSupPr>
+                        <m:ctrlPr>
+                          <a:rPr lang="de-DE" sz="2400" i="1">
+                            <a:latin typeface="Cambria Math" panose="02040503050406030204" pitchFamily="18" charset="0"/>
+                            <a:ea typeface="Cambria Math" panose="02040503050406030204" pitchFamily="18" charset="0"/>
+                          </a:rPr>
+                        </m:ctrlPr>
+                      </m:sSupPr>
+                      <m:e>
+                        <m:r>
+                          <a:rPr lang="de-DE" sz="2400" b="0" i="1" smtClean="0">
+                            <a:latin typeface="Cambria Math" panose="02040503050406030204" pitchFamily="18" charset="0"/>
+                            <a:ea typeface="Cambria Math" panose="02040503050406030204" pitchFamily="18" charset="0"/>
+                          </a:rPr>
+                          <m:t>𝑁</m:t>
+                        </m:r>
+                      </m:e>
+                      <m:sup>
+                        <m:r>
+                          <a:rPr lang="de-DE" sz="2400">
+                            <a:latin typeface="Cambria Math" panose="02040503050406030204" pitchFamily="18" charset="0"/>
+                            <a:ea typeface="Cambria Math" panose="02040503050406030204" pitchFamily="18" charset="0"/>
+                          </a:rPr>
+                          <m:t>2</m:t>
+                        </m:r>
+                      </m:sup>
+                    </m:sSup>
+                  </m:oMath>
+                </a14:m>
+                <a:endParaRPr lang="de-DE" sz="2400" dirty="0" smtClean="0">
+                  <a:latin typeface="Arial" panose="020B0604020202020204" pitchFamily="34" charset="0"/>
+                  <a:cs typeface="Arial" panose="020B0604020202020204" pitchFamily="34" charset="0"/>
+                </a:endParaRPr>
+              </a:p>
+              <a:p>
+                <a:pPr marL="285750" indent="-285750">
+                  <a:lnSpc>
+                    <a:spcPct val="200000"/>
+                  </a:lnSpc>
+                  <a:buClr>
+                    <a:srgbClr val="84B818"/>
+                  </a:buClr>
+                  <a:buFont typeface="Arial" panose="020B0604020202020204" pitchFamily="34" charset="0"/>
+                  <a:buChar char="•"/>
+                </a:pPr>
+                <a:r>
+                  <a:rPr lang="de-DE" sz="2000" dirty="0" smtClean="0">
+                    <a:latin typeface="Arial" panose="020B0604020202020204" pitchFamily="34" charset="0"/>
+                    <a:cs typeface="Arial" panose="020B0604020202020204" pitchFamily="34" charset="0"/>
+                  </a:rPr>
+                  <a:t>Gigawatt, </a:t>
+                </a:r>
+                <a:r>
+                  <a:rPr lang="de-DE" sz="2000" dirty="0" err="1" smtClean="0">
+                    <a:latin typeface="Arial" panose="020B0604020202020204" pitchFamily="34" charset="0"/>
+                    <a:cs typeface="Arial" panose="020B0604020202020204" pitchFamily="34" charset="0"/>
+                  </a:rPr>
+                  <a:t>Picosekunden</a:t>
+                </a:r>
+                <a:r>
+                  <a:rPr lang="de-DE" sz="2000" dirty="0" smtClean="0">
+                    <a:latin typeface="Arial" panose="020B0604020202020204" pitchFamily="34" charset="0"/>
+                    <a:cs typeface="Arial" panose="020B0604020202020204" pitchFamily="34" charset="0"/>
+                  </a:rPr>
+                  <a:t> Pulse</a:t>
+                </a:r>
+              </a:p>
+            </p:txBody>
+          </p:sp>
+        </mc:Choice>
+        <mc:Fallback xmlns="">
+          <p:sp>
+            <p:nvSpPr>
+              <p:cNvPr id="5" name="Textfeld 4"/>
+              <p:cNvSpPr txBox="1">
+                <a:spLocks noRot="1" noChangeAspect="1" noMove="1" noResize="1" noEditPoints="1" noAdjustHandles="1" noChangeArrowheads="1" noChangeShapeType="1" noTextEdit="1"/>
+              </p:cNvSpPr>
+              <p:nvPr/>
+            </p:nvSpPr>
+            <p:spPr>
+              <a:xfrm>
+                <a:off x="504056" y="2229633"/>
+                <a:ext cx="5859166" cy="3908762"/>
+              </a:xfrm>
+              <a:prstGeom prst="rect">
+                <a:avLst/>
+              </a:prstGeom>
+              <a:blipFill>
+                <a:blip r:embed="rId3"/>
+                <a:stretch>
+                  <a:fillRect l="-937"/>
+                </a:stretch>
+              </a:blipFill>
+            </p:spPr>
+            <p:txBody>
+              <a:bodyPr/>
+              <a:lstStyle/>
+              <a:p>
+                <a:r>
+                  <a:rPr lang="de-DE">
+                    <a:noFill/>
+                  </a:rPr>
+                  <a:t> </a:t>
+                </a:r>
+              </a:p>
+            </p:txBody>
+          </p:sp>
+        </mc:Fallback>
+      </mc:AlternateContent>
+      <p:pic>
+        <p:nvPicPr>
+          <p:cNvPr id="7" name="Grafik 6"/>
+          <p:cNvPicPr>
+            <a:picLocks noChangeAspect="1"/>
+          </p:cNvPicPr>
+          <p:nvPr/>
+        </p:nvPicPr>
+        <p:blipFill>
+          <a:blip r:embed="rId4">
+            <a:extLst>
+              <a:ext uri="{28A0092B-C50C-407E-A947-70E740481C1C}">
+                <a14:useLocalDpi xmlns:a14="http://schemas.microsoft.com/office/drawing/2010/main" val="0"/>
+              </a:ext>
+            </a:extLst>
+          </a:blip>
+          <a:stretch>
+            <a:fillRect/>
+          </a:stretch>
+        </p:blipFill>
+        <p:spPr>
+          <a:xfrm>
+            <a:off x="4359058" y="2895880"/>
+            <a:ext cx="4451580" cy="2657195"/>
+          </a:xfrm>
+          <a:prstGeom prst="rect">
+            <a:avLst/>
+          </a:prstGeom>
+        </p:spPr>
+      </p:pic>
+      <p:sp>
+        <p:nvSpPr>
+          <p:cNvPr id="8" name="Textfeld 7"/>
           <p:cNvSpPr txBox="1"/>
           <p:nvPr/>
         </p:nvSpPr>
         <p:spPr>
           <a:xfrm>
-            <a:off x="504056" y="2229633"/>
-            <a:ext cx="5210827" cy="1200329"/>
+            <a:off x="6773085" y="5933545"/>
+            <a:ext cx="1627689" cy="784830"/>
           </a:xfrm>
           <a:prstGeom prst="rect">
             <a:avLst/>
@@ -9410,62 +11189,34 @@
           </a:bodyPr>
           <a:lstStyle/>
           <a:p>
-            <a:pPr marL="285750" indent="-285750">
-              <a:buClr>
-                <a:srgbClr val="84B818"/>
-              </a:buClr>
-              <a:buFont typeface="Arial" panose="020B0604020202020204" pitchFamily="34" charset="0"/>
-              <a:buChar char="•"/>
-            </a:pPr>
-            <a:r>
-              <a:rPr lang="de-DE" sz="2400" dirty="0" smtClean="0">
-                <a:latin typeface="Arial" panose="020B0604020202020204" pitchFamily="34" charset="0"/>
-                <a:cs typeface="Arial" panose="020B0604020202020204" pitchFamily="34" charset="0"/>
+            <a:r>
+              <a:rPr lang="en-US" sz="900" dirty="0" smtClean="0">
+                <a:solidFill>
+                  <a:srgbClr val="C5C6C6"/>
+                </a:solidFill>
               </a:rPr>
-              <a:t>Laser oszilliert in vielen Moden</a:t>
-            </a:r>
-          </a:p>
-          <a:p>
-            <a:pPr marL="285750" indent="-285750">
-              <a:buClr>
-                <a:srgbClr val="84B818"/>
-              </a:buClr>
-              <a:buFont typeface="Arial" panose="020B0604020202020204" pitchFamily="34" charset="0"/>
-              <a:buChar char="•"/>
-            </a:pPr>
-            <a:r>
-              <a:rPr lang="de-DE" sz="2400" dirty="0" smtClean="0">
-                <a:latin typeface="Arial" panose="020B0604020202020204" pitchFamily="34" charset="0"/>
-                <a:cs typeface="Arial" panose="020B0604020202020204" pitchFamily="34" charset="0"/>
+              <a:t>By </a:t>
+            </a:r>
+            <a:r>
+              <a:rPr lang="en-US" sz="900" dirty="0" err="1" smtClean="0">
+                <a:solidFill>
+                  <a:srgbClr val="C5C6C6"/>
+                </a:solidFill>
               </a:rPr>
-              <a:t>Phasen werden gekoppelt</a:t>
-            </a:r>
-          </a:p>
-          <a:p>
-            <a:pPr marL="285750" indent="-285750">
-              <a:buClr>
-                <a:srgbClr val="84B818"/>
-              </a:buClr>
-              <a:buFont typeface="Arial" panose="020B0604020202020204" pitchFamily="34" charset="0"/>
-              <a:buChar char="•"/>
-            </a:pPr>
-            <a:r>
-              <a:rPr lang="de-DE" sz="2400" dirty="0" smtClean="0">
-                <a:latin typeface="Arial" panose="020B0604020202020204" pitchFamily="34" charset="0"/>
-                <a:cs typeface="Arial" panose="020B0604020202020204" pitchFamily="34" charset="0"/>
+              <a:t>Davidjessop</a:t>
+            </a:r>
+            <a:r>
+              <a:rPr lang="en-US" sz="900" dirty="0" smtClean="0">
+                <a:solidFill>
+                  <a:srgbClr val="C5C6C6"/>
+                </a:solidFill>
               </a:rPr>
-              <a:t>S.616 </a:t>
-            </a:r>
-            <a:r>
-              <a:rPr lang="de-DE" sz="2400" dirty="0" err="1" smtClean="0">
-                <a:latin typeface="Arial" panose="020B0604020202020204" pitchFamily="34" charset="0"/>
-                <a:cs typeface="Arial" panose="020B0604020202020204" pitchFamily="34" charset="0"/>
-              </a:rPr>
-              <a:t>Demtröder</a:t>
-            </a:r>
-            <a:endParaRPr lang="de-DE" sz="2400" dirty="0">
-              <a:latin typeface="Arial" panose="020B0604020202020204" pitchFamily="34" charset="0"/>
-              <a:cs typeface="Arial" panose="020B0604020202020204" pitchFamily="34" charset="0"/>
+              <a:t> - Own work, CC BY-SA 4.0, https://commons.wikimedia.org/w/index.php?curid=47981106</a:t>
+            </a:r>
+            <a:endParaRPr lang="de-DE" sz="900" dirty="0">
+              <a:solidFill>
+                <a:srgbClr val="C5C6C6"/>
+              </a:solidFill>
             </a:endParaRPr>
           </a:p>
         </p:txBody>
@@ -9535,12 +11286,23 @@
           <a:bodyPr/>
           <a:lstStyle/>
           <a:p>
-            <a:pPr algn="ctr"/>
-            <a:r>
-              <a:rPr lang="de-DE" sz="4000" b="1" dirty="0" smtClean="0"/>
-              <a:t>Seminar Moderne Optik</a:t>
-            </a:r>
-            <a:endParaRPr lang="de-DE" sz="4000" b="1" dirty="0"/>
+            <a:r>
+              <a:rPr lang="de-DE" sz="3200" b="1" dirty="0" smtClean="0"/>
+              <a:t>	</a:t>
+            </a:r>
+            <a:r>
+              <a:rPr lang="de-DE" sz="3200" b="1" dirty="0" err="1" smtClean="0"/>
+              <a:t>Chirped</a:t>
+            </a:r>
+            <a:r>
+              <a:rPr lang="de-DE" sz="3200" b="1" dirty="0" smtClean="0"/>
+              <a:t> Pulse </a:t>
+            </a:r>
+            <a:r>
+              <a:rPr lang="de-DE" sz="3200" b="1" dirty="0" err="1" smtClean="0"/>
+              <a:t>Amplification</a:t>
+            </a:r>
+            <a:endParaRPr lang="de-DE" sz="3200" b="1" dirty="0"/>
           </a:p>
         </p:txBody>
       </p:sp>
@@ -9656,14 +11418,14 @@
       </p:sp>
       <p:sp>
         <p:nvSpPr>
-          <p:cNvPr id="5" name="Textfeld 4"/>
+          <p:cNvPr id="8" name="Textfeld 7"/>
           <p:cNvSpPr txBox="1"/>
           <p:nvPr/>
         </p:nvSpPr>
         <p:spPr>
           <a:xfrm>
-            <a:off x="0" y="3575668"/>
-            <a:ext cx="9144000" cy="707886"/>
+            <a:off x="485129" y="2328602"/>
+            <a:ext cx="6191244" cy="3785652"/>
           </a:xfrm>
           <a:prstGeom prst="rect">
             <a:avLst/>
@@ -9676,25 +11438,264 @@
           </a:bodyPr>
           <a:lstStyle/>
           <a:p>
-            <a:pPr algn="ctr"/>
-            <a:r>
-              <a:rPr lang="de-DE" sz="4000" b="1" dirty="0" smtClean="0">
+            <a:pPr marL="457200" indent="-457200">
+              <a:lnSpc>
+                <a:spcPct val="200000"/>
+              </a:lnSpc>
+              <a:buClr>
+                <a:srgbClr val="84B818"/>
+              </a:buClr>
+              <a:buFont typeface="+mj-lt"/>
+              <a:buAutoNum type="arabicPeriod"/>
+            </a:pPr>
+            <a:r>
+              <a:rPr lang="de-DE" sz="2400" dirty="0" smtClean="0">
                 <a:latin typeface="Arial" panose="020B0604020202020204" pitchFamily="34" charset="0"/>
                 <a:cs typeface="Arial" panose="020B0604020202020204" pitchFamily="34" charset="0"/>
               </a:rPr>
-              <a:t>Laser Verstärkung</a:t>
-            </a:r>
-            <a:endParaRPr lang="de-DE" sz="4000" b="1" dirty="0">
+              <a:t>Laserpuls wird gestreckt</a:t>
+            </a:r>
+          </a:p>
+          <a:p>
+            <a:pPr marL="457200" indent="-457200">
+              <a:lnSpc>
+                <a:spcPct val="200000"/>
+              </a:lnSpc>
+              <a:buClr>
+                <a:srgbClr val="84B818"/>
+              </a:buClr>
+              <a:buFont typeface="+mj-lt"/>
+              <a:buAutoNum type="arabicPeriod"/>
+            </a:pPr>
+            <a:r>
+              <a:rPr lang="de-DE" sz="2400" dirty="0" smtClean="0">
+                <a:latin typeface="Arial" panose="020B0604020202020204" pitchFamily="34" charset="0"/>
+                <a:cs typeface="Arial" panose="020B0604020202020204" pitchFamily="34" charset="0"/>
+              </a:rPr>
+              <a:t>Verstärkt</a:t>
+            </a:r>
+          </a:p>
+          <a:p>
+            <a:pPr marL="457200" indent="-457200">
+              <a:lnSpc>
+                <a:spcPct val="200000"/>
+              </a:lnSpc>
+              <a:buClr>
+                <a:srgbClr val="84B818"/>
+              </a:buClr>
+              <a:buFont typeface="+mj-lt"/>
+              <a:buAutoNum type="arabicPeriod"/>
+            </a:pPr>
+            <a:r>
+              <a:rPr lang="de-DE" sz="2400" dirty="0" smtClean="0">
+                <a:latin typeface="Arial" panose="020B0604020202020204" pitchFamily="34" charset="0"/>
+                <a:cs typeface="Arial" panose="020B0604020202020204" pitchFamily="34" charset="0"/>
+              </a:rPr>
+              <a:t>Gestaucht</a:t>
+            </a:r>
+          </a:p>
+          <a:p>
+            <a:pPr marL="457200" indent="-457200">
+              <a:lnSpc>
+                <a:spcPct val="200000"/>
+              </a:lnSpc>
+              <a:buClr>
+                <a:srgbClr val="84B818"/>
+              </a:buClr>
+              <a:buFont typeface="+mj-lt"/>
+              <a:buAutoNum type="arabicPeriod"/>
+            </a:pPr>
+            <a:endParaRPr lang="de-DE" sz="2400" dirty="0">
               <a:latin typeface="Arial" panose="020B0604020202020204" pitchFamily="34" charset="0"/>
               <a:cs typeface="Arial" panose="020B0604020202020204" pitchFamily="34" charset="0"/>
             </a:endParaRPr>
           </a:p>
+          <a:p>
+            <a:pPr marL="457200" indent="-457200">
+              <a:lnSpc>
+                <a:spcPct val="200000"/>
+              </a:lnSpc>
+              <a:buClr>
+                <a:srgbClr val="84B818"/>
+              </a:buClr>
+              <a:buFont typeface="Arial" panose="020B0604020202020204" pitchFamily="34" charset="0"/>
+              <a:buChar char="•"/>
+            </a:pPr>
+            <a:r>
+              <a:rPr lang="de-DE" sz="2400" dirty="0" err="1" smtClean="0">
+                <a:latin typeface="Arial" panose="020B0604020202020204" pitchFamily="34" charset="0"/>
+                <a:cs typeface="Arial" panose="020B0604020202020204" pitchFamily="34" charset="0"/>
+              </a:rPr>
+              <a:t>Petawatt</a:t>
+            </a:r>
+            <a:r>
+              <a:rPr lang="de-DE" sz="2400" dirty="0" smtClean="0">
+                <a:latin typeface="Arial" panose="020B0604020202020204" pitchFamily="34" charset="0"/>
+                <a:cs typeface="Arial" panose="020B0604020202020204" pitchFamily="34" charset="0"/>
+              </a:rPr>
+              <a:t>, </a:t>
+            </a:r>
+            <a:r>
+              <a:rPr lang="de-DE" sz="2400" dirty="0" err="1" smtClean="0">
+                <a:latin typeface="Arial" panose="020B0604020202020204" pitchFamily="34" charset="0"/>
+                <a:cs typeface="Arial" panose="020B0604020202020204" pitchFamily="34" charset="0"/>
+              </a:rPr>
+              <a:t>Femtosekunden</a:t>
+            </a:r>
+            <a:r>
+              <a:rPr lang="de-DE" sz="2400" dirty="0" smtClean="0">
+                <a:latin typeface="Arial" panose="020B0604020202020204" pitchFamily="34" charset="0"/>
+                <a:cs typeface="Arial" panose="020B0604020202020204" pitchFamily="34" charset="0"/>
+              </a:rPr>
+              <a:t> Pulse</a:t>
+            </a:r>
+            <a:endParaRPr lang="de-DE" sz="2400" dirty="0">
+              <a:latin typeface="Arial" panose="020B0604020202020204" pitchFamily="34" charset="0"/>
+              <a:cs typeface="Arial" panose="020B0604020202020204" pitchFamily="34" charset="0"/>
+            </a:endParaRPr>
+          </a:p>
+        </p:txBody>
+      </p:sp>
+      <p:sp>
+        <p:nvSpPr>
+          <p:cNvPr id="11" name="Textfeld 10"/>
+          <p:cNvSpPr txBox="1"/>
+          <p:nvPr/>
+        </p:nvSpPr>
+        <p:spPr>
+          <a:xfrm>
+            <a:off x="7771225" y="4268659"/>
+            <a:ext cx="914400" cy="507831"/>
+          </a:xfrm>
+          <a:prstGeom prst="rect">
+            <a:avLst/>
+          </a:prstGeom>
+          <a:noFill/>
+        </p:spPr>
+        <p:txBody>
+          <a:bodyPr wrap="square" rtlCol="0">
+            <a:spAutoFit/>
+          </a:bodyPr>
+          <a:lstStyle/>
+          <a:p>
+            <a:r>
+              <a:rPr lang="it-IT" sz="900" dirty="0">
+                <a:solidFill>
+                  <a:srgbClr val="C5C6C6"/>
+                </a:solidFill>
+              </a:rPr>
+              <a:t>Nobel Media AB. Photo: A. Mahmoud</a:t>
+            </a:r>
+            <a:endParaRPr lang="de-DE" sz="900" dirty="0">
+              <a:solidFill>
+                <a:srgbClr val="C5C6C6"/>
+              </a:solidFill>
+            </a:endParaRPr>
+          </a:p>
+        </p:txBody>
+      </p:sp>
+      <p:pic>
+        <p:nvPicPr>
+          <p:cNvPr id="13" name="Grafik 12"/>
+          <p:cNvPicPr>
+            <a:picLocks noChangeAspect="1"/>
+          </p:cNvPicPr>
+          <p:nvPr/>
+        </p:nvPicPr>
+        <p:blipFill>
+          <a:blip r:embed="rId3">
+            <a:extLst>
+              <a:ext uri="{28A0092B-C50C-407E-A947-70E740481C1C}">
+                <a14:useLocalDpi xmlns:a14="http://schemas.microsoft.com/office/drawing/2010/main" val="0"/>
+              </a:ext>
+            </a:extLst>
+          </a:blip>
+          <a:stretch>
+            <a:fillRect/>
+          </a:stretch>
+        </p:blipFill>
+        <p:spPr>
+          <a:xfrm>
+            <a:off x="7471775" y="1951477"/>
+            <a:ext cx="1513301" cy="2269951"/>
+          </a:xfrm>
+          <a:prstGeom prst="rect">
+            <a:avLst/>
+          </a:prstGeom>
+        </p:spPr>
+      </p:pic>
+      <p:pic>
+        <p:nvPicPr>
+          <p:cNvPr id="14" name="Grafik 13"/>
+          <p:cNvPicPr>
+            <a:picLocks noChangeAspect="1"/>
+          </p:cNvPicPr>
+          <p:nvPr/>
+        </p:nvPicPr>
+        <p:blipFill>
+          <a:blip r:embed="rId4">
+            <a:extLst>
+              <a:ext uri="{28A0092B-C50C-407E-A947-70E740481C1C}">
+                <a14:useLocalDpi xmlns:a14="http://schemas.microsoft.com/office/drawing/2010/main" val="0"/>
+              </a:ext>
+            </a:extLst>
+          </a:blip>
+          <a:stretch>
+            <a:fillRect/>
+          </a:stretch>
+        </p:blipFill>
+        <p:spPr>
+          <a:xfrm>
+            <a:off x="5851438" y="1968850"/>
+            <a:ext cx="1504094" cy="2252578"/>
+          </a:xfrm>
+          <a:prstGeom prst="rect">
+            <a:avLst/>
+          </a:prstGeom>
+        </p:spPr>
+      </p:pic>
+      <p:sp>
+        <p:nvSpPr>
+          <p:cNvPr id="15" name="Textfeld 14"/>
+          <p:cNvSpPr txBox="1"/>
+          <p:nvPr/>
+        </p:nvSpPr>
+        <p:spPr>
+          <a:xfrm>
+            <a:off x="5951239" y="4280310"/>
+            <a:ext cx="1064713" cy="507831"/>
+          </a:xfrm>
+          <a:prstGeom prst="rect">
+            <a:avLst/>
+          </a:prstGeom>
+          <a:noFill/>
+        </p:spPr>
+        <p:txBody>
+          <a:bodyPr wrap="square" rtlCol="0">
+            <a:spAutoFit/>
+          </a:bodyPr>
+          <a:lstStyle/>
+          <a:p>
+            <a:r>
+              <a:rPr lang="it-IT" sz="900" dirty="0">
+                <a:solidFill>
+                  <a:srgbClr val="C5C6C6"/>
+                </a:solidFill>
+              </a:rPr>
+              <a:t>Nobel Media AB. Photo: A. Mahmoud</a:t>
+            </a:r>
+            <a:endParaRPr lang="de-DE" sz="900" dirty="0">
+              <a:solidFill>
+                <a:srgbClr val="C5C6C6"/>
+              </a:solidFill>
+            </a:endParaRPr>
+          </a:p>
         </p:txBody>
       </p:sp>
     </p:spTree>
     <p:extLst>
       <p:ext uri="{BB962C8B-B14F-4D97-AF65-F5344CB8AC3E}">
-        <p14:creationId xmlns:p14="http://schemas.microsoft.com/office/powerpoint/2010/main" val="3234946552"/>
+        <p14:creationId xmlns:p14="http://schemas.microsoft.com/office/powerpoint/2010/main" val="3374862557"/>
       </p:ext>
     </p:extLst>
   </p:cSld>
